--- a/2015/PA102.pptx
+++ b/2015/PA102.pptx
@@ -12,14 +12,21 @@
     <p:sldId id="268" r:id="rId6"/>
     <p:sldId id="257" r:id="rId7"/>
     <p:sldId id="269" r:id="rId8"/>
-    <p:sldId id="270" r:id="rId9"/>
-    <p:sldId id="271" r:id="rId10"/>
-    <p:sldId id="272" r:id="rId11"/>
-    <p:sldId id="273" r:id="rId12"/>
-    <p:sldId id="274" r:id="rId13"/>
-    <p:sldId id="275" r:id="rId14"/>
-    <p:sldId id="276" r:id="rId15"/>
-    <p:sldId id="277" r:id="rId16"/>
+    <p:sldId id="278" r:id="rId9"/>
+    <p:sldId id="270" r:id="rId10"/>
+    <p:sldId id="279" r:id="rId11"/>
+    <p:sldId id="271" r:id="rId12"/>
+    <p:sldId id="280" r:id="rId13"/>
+    <p:sldId id="272" r:id="rId14"/>
+    <p:sldId id="281" r:id="rId15"/>
+    <p:sldId id="282" r:id="rId16"/>
+    <p:sldId id="273" r:id="rId17"/>
+    <p:sldId id="283" r:id="rId18"/>
+    <p:sldId id="274" r:id="rId19"/>
+    <p:sldId id="275" r:id="rId20"/>
+    <p:sldId id="276" r:id="rId21"/>
+    <p:sldId id="277" r:id="rId22"/>
+    <p:sldId id="284" r:id="rId23"/>
   </p:sldIdLst>
   <p:sldSz cx="9144000" cy="6858000" type="screen4x3"/>
   <p:notesSz cx="6858000" cy="9144000"/>
@@ -327,7 +334,7 @@
           <a:p>
             <a:fld id="{B4BB906A-7526-49A7-A47A-B7356A5ECE64}" type="datetimeFigureOut">
               <a:rPr lang="en-US" smtClean="0"/>
-              <a:t>9/23/2015</a:t>
+              <a:t>9/24/2015</a:t>
             </a:fld>
             <a:endParaRPr lang="en-US"/>
           </a:p>
@@ -529,7 +536,7 @@
           <a:p>
             <a:fld id="{B4BB906A-7526-49A7-A47A-B7356A5ECE64}" type="datetimeFigureOut">
               <a:rPr lang="en-US" smtClean="0"/>
-              <a:t>9/23/2015</a:t>
+              <a:t>9/24/2015</a:t>
             </a:fld>
             <a:endParaRPr lang="en-US"/>
           </a:p>
@@ -736,7 +743,7 @@
           <a:p>
             <a:fld id="{B4BB906A-7526-49A7-A47A-B7356A5ECE64}" type="datetimeFigureOut">
               <a:rPr lang="en-US" smtClean="0"/>
-              <a:t>9/23/2015</a:t>
+              <a:t>9/24/2015</a:t>
             </a:fld>
             <a:endParaRPr lang="en-US"/>
           </a:p>
@@ -1005,7 +1012,7 @@
           <a:p>
             <a:fld id="{B4BB906A-7526-49A7-A47A-B7356A5ECE64}" type="datetimeFigureOut">
               <a:rPr lang="en-US" smtClean="0"/>
-              <a:t>9/23/2015</a:t>
+              <a:t>9/24/2015</a:t>
             </a:fld>
             <a:endParaRPr lang="en-US"/>
           </a:p>
@@ -1243,7 +1250,7 @@
           <a:p>
             <a:fld id="{B4BB906A-7526-49A7-A47A-B7356A5ECE64}" type="datetimeFigureOut">
               <a:rPr lang="en-US" smtClean="0"/>
-              <a:t>9/23/2015</a:t>
+              <a:t>9/24/2015</a:t>
             </a:fld>
             <a:endParaRPr lang="en-US"/>
           </a:p>
@@ -1516,7 +1523,7 @@
           <a:p>
             <a:fld id="{B4BB906A-7526-49A7-A47A-B7356A5ECE64}" type="datetimeFigureOut">
               <a:rPr lang="en-US" smtClean="0"/>
-              <a:t>9/23/2015</a:t>
+              <a:t>9/24/2015</a:t>
             </a:fld>
             <a:endParaRPr lang="en-US"/>
           </a:p>
@@ -1834,7 +1841,7 @@
           <a:p>
             <a:fld id="{B4BB906A-7526-49A7-A47A-B7356A5ECE64}" type="datetimeFigureOut">
               <a:rPr lang="en-US" smtClean="0"/>
-              <a:t>9/23/2015</a:t>
+              <a:t>9/24/2015</a:t>
             </a:fld>
             <a:endParaRPr lang="en-US"/>
           </a:p>
@@ -2292,7 +2299,7 @@
           <a:p>
             <a:fld id="{B4BB906A-7526-49A7-A47A-B7356A5ECE64}" type="datetimeFigureOut">
               <a:rPr lang="en-US" smtClean="0"/>
-              <a:t>9/23/2015</a:t>
+              <a:t>9/24/2015</a:t>
             </a:fld>
             <a:endParaRPr lang="en-US"/>
           </a:p>
@@ -2434,7 +2441,7 @@
           <a:p>
             <a:fld id="{B4BB906A-7526-49A7-A47A-B7356A5ECE64}" type="datetimeFigureOut">
               <a:rPr lang="en-US" smtClean="0"/>
-              <a:t>9/23/2015</a:t>
+              <a:t>9/24/2015</a:t>
             </a:fld>
             <a:endParaRPr lang="en-US"/>
           </a:p>
@@ -2553,7 +2560,7 @@
           <a:p>
             <a:fld id="{B4BB906A-7526-49A7-A47A-B7356A5ECE64}" type="datetimeFigureOut">
               <a:rPr lang="en-US" smtClean="0"/>
-              <a:t>9/23/2015</a:t>
+              <a:t>9/24/2015</a:t>
             </a:fld>
             <a:endParaRPr lang="en-US"/>
           </a:p>
@@ -2860,7 +2867,7 @@
           <a:p>
             <a:fld id="{B4BB906A-7526-49A7-A47A-B7356A5ECE64}" type="datetimeFigureOut">
               <a:rPr lang="en-US" smtClean="0"/>
-              <a:t>9/23/2015</a:t>
+              <a:t>9/24/2015</a:t>
             </a:fld>
             <a:endParaRPr lang="en-US"/>
           </a:p>
@@ -3062,7 +3069,7 @@
           <a:p>
             <a:fld id="{B4BB906A-7526-49A7-A47A-B7356A5ECE64}" type="datetimeFigureOut">
               <a:rPr lang="en-US" smtClean="0"/>
-              <a:t>9/23/2015</a:t>
+              <a:t>9/24/2015</a:t>
             </a:fld>
             <a:endParaRPr lang="en-US"/>
           </a:p>
@@ -3345,7 +3352,7 @@
           <a:p>
             <a:fld id="{B4BB906A-7526-49A7-A47A-B7356A5ECE64}" type="datetimeFigureOut">
               <a:rPr lang="en-US" smtClean="0"/>
-              <a:t>9/23/2015</a:t>
+              <a:t>9/24/2015</a:t>
             </a:fld>
             <a:endParaRPr lang="en-US"/>
           </a:p>
@@ -3547,7 +3554,7 @@
           <a:p>
             <a:fld id="{B4BB906A-7526-49A7-A47A-B7356A5ECE64}" type="datetimeFigureOut">
               <a:rPr lang="en-US" smtClean="0"/>
-              <a:t>9/23/2015</a:t>
+              <a:t>9/24/2015</a:t>
             </a:fld>
             <a:endParaRPr lang="en-US"/>
           </a:p>
@@ -3754,7 +3761,7 @@
           <a:p>
             <a:fld id="{B4BB906A-7526-49A7-A47A-B7356A5ECE64}" type="datetimeFigureOut">
               <a:rPr lang="en-US" smtClean="0"/>
-              <a:t>9/23/2015</a:t>
+              <a:t>9/24/2015</a:t>
             </a:fld>
             <a:endParaRPr lang="en-US"/>
           </a:p>
@@ -4027,7 +4034,7 @@
           <a:p>
             <a:fld id="{B4BB906A-7526-49A7-A47A-B7356A5ECE64}" type="datetimeFigureOut">
               <a:rPr lang="en-US" smtClean="0"/>
-              <a:t>9/23/2015</a:t>
+              <a:t>9/24/2015</a:t>
             </a:fld>
             <a:endParaRPr lang="en-US"/>
           </a:p>
@@ -4345,7 +4352,7 @@
           <a:p>
             <a:fld id="{B4BB906A-7526-49A7-A47A-B7356A5ECE64}" type="datetimeFigureOut">
               <a:rPr lang="en-US" smtClean="0"/>
-              <a:t>9/23/2015</a:t>
+              <a:t>9/24/2015</a:t>
             </a:fld>
             <a:endParaRPr lang="en-US"/>
           </a:p>
@@ -4803,7 +4810,7 @@
           <a:p>
             <a:fld id="{B4BB906A-7526-49A7-A47A-B7356A5ECE64}" type="datetimeFigureOut">
               <a:rPr lang="en-US" smtClean="0"/>
-              <a:t>9/23/2015</a:t>
+              <a:t>9/24/2015</a:t>
             </a:fld>
             <a:endParaRPr lang="en-US"/>
           </a:p>
@@ -4945,7 +4952,7 @@
           <a:p>
             <a:fld id="{B4BB906A-7526-49A7-A47A-B7356A5ECE64}" type="datetimeFigureOut">
               <a:rPr lang="en-US" smtClean="0"/>
-              <a:t>9/23/2015</a:t>
+              <a:t>9/24/2015</a:t>
             </a:fld>
             <a:endParaRPr lang="en-US"/>
           </a:p>
@@ -5064,7 +5071,7 @@
           <a:p>
             <a:fld id="{B4BB906A-7526-49A7-A47A-B7356A5ECE64}" type="datetimeFigureOut">
               <a:rPr lang="en-US" smtClean="0"/>
-              <a:t>9/23/2015</a:t>
+              <a:t>9/24/2015</a:t>
             </a:fld>
             <a:endParaRPr lang="en-US"/>
           </a:p>
@@ -5371,7 +5378,7 @@
           <a:p>
             <a:fld id="{B4BB906A-7526-49A7-A47A-B7356A5ECE64}" type="datetimeFigureOut">
               <a:rPr lang="en-US" smtClean="0"/>
-              <a:t>9/23/2015</a:t>
+              <a:t>9/24/2015</a:t>
             </a:fld>
             <a:endParaRPr lang="en-US"/>
           </a:p>
@@ -5654,7 +5661,7 @@
           <a:p>
             <a:fld id="{B4BB906A-7526-49A7-A47A-B7356A5ECE64}" type="datetimeFigureOut">
               <a:rPr lang="en-US" smtClean="0"/>
-              <a:t>9/23/2015</a:t>
+              <a:t>9/24/2015</a:t>
             </a:fld>
             <a:endParaRPr lang="en-US"/>
           </a:p>
@@ -6705,10 +6712,10 @@
           <a:lstStyle/>
           <a:p>
             <a:r>
-              <a:rPr lang="en-US" sz="3000" dirty="0" smtClean="0"/>
-              <a:t>External Challenges: R</a:t>
-            </a:r>
-            <a:endParaRPr lang="en-US" sz="3000" dirty="0"/>
+              <a:rPr lang="en-US" sz="3200" dirty="0" smtClean="0"/>
+              <a:t>Internal Challenges: IT</a:t>
+            </a:r>
+            <a:endParaRPr lang="en-US" sz="3200" dirty="0"/>
           </a:p>
         </p:txBody>
       </p:sp>
@@ -6722,23 +6729,34 @@
             <p:ph idx="1"/>
           </p:nvPr>
         </p:nvSpPr>
-        <p:spPr>
-          <a:xfrm>
-            <a:off x="462597" y="1447801"/>
-            <a:ext cx="8229600" cy="5132388"/>
-          </a:xfrm>
-        </p:spPr>
-        <p:txBody>
-          <a:bodyPr/>
-          <a:lstStyle/>
-          <a:p>
+        <p:spPr/>
+        <p:txBody>
+          <a:bodyPr/>
+          <a:lstStyle/>
+          <a:p>
+            <a:r>
+              <a:rPr lang="en-US" dirty="0"/>
+              <a:t>the only SAS editor available for you to complete your SAS job is SAS Drug Development, </a:t>
+            </a:r>
+            <a:r>
+              <a:rPr lang="en-US" dirty="0" smtClean="0"/>
+              <a:t>or SAS </a:t>
+            </a:r>
+            <a:r>
+              <a:rPr lang="en-US" dirty="0"/>
+              <a:t>Data Integration </a:t>
+            </a:r>
+            <a:r>
+              <a:rPr lang="en-US" dirty="0" smtClean="0"/>
+              <a:t>Studio</a:t>
+            </a:r>
             <a:endParaRPr lang="en-US" dirty="0"/>
           </a:p>
         </p:txBody>
       </p:sp>
       <p:pic>
         <p:nvPicPr>
-          <p:cNvPr id="1026" name="Picture 2" descr="R_SAS"/>
+          <p:cNvPr id="4098" name="Picture 2" descr="http://support.sas.com/kb/45/addl/fusion_45270_7_usage_note_45270__1.png"/>
           <p:cNvPicPr>
             <a:picLocks noChangeAspect="1" noChangeArrowheads="1"/>
           </p:cNvPicPr>
@@ -6759,16 +6777,13 @@
         </p:blipFill>
         <p:spPr bwMode="auto">
           <a:xfrm>
-            <a:off x="1752600" y="2438400"/>
-            <a:ext cx="4533900" cy="2887663"/>
+            <a:off x="914400" y="3686435"/>
+            <a:ext cx="2899916" cy="2439728"/>
           </a:xfrm>
           <a:prstGeom prst="rect">
             <a:avLst/>
           </a:prstGeom>
           <a:noFill/>
-          <a:ln>
-            <a:noFill/>
-          </a:ln>
           <a:extLst>
             <a:ext uri="{909E8E84-426E-40DD-AFC4-6F175D3DCCD1}">
               <a14:hiddenFill xmlns:a14="http://schemas.microsoft.com/office/drawing/2010/main">
@@ -6777,15 +6792,46 @@
                 </a:solidFill>
               </a14:hiddenFill>
             </a:ext>
-            <a:ext uri="{91240B29-F687-4F45-9708-019B960494DF}">
-              <a14:hiddenLine xmlns:a14="http://schemas.microsoft.com/office/drawing/2010/main" w="9525">
+          </a:extLst>
+        </p:spPr>
+      </p:pic>
+      <p:pic>
+        <p:nvPicPr>
+          <p:cNvPr id="4100" name="Picture 4" descr="https://communities.sas.com/legacyfs/online/2234_statistics.png"/>
+          <p:cNvPicPr>
+            <a:picLocks noChangeAspect="1" noChangeArrowheads="1"/>
+          </p:cNvPicPr>
+          <p:nvPr/>
+        </p:nvPicPr>
+        <p:blipFill>
+          <a:blip r:embed="rId3" cstate="print">
+            <a:extLst>
+              <a:ext uri="{28A0092B-C50C-407E-A947-70E740481C1C}">
+                <a14:useLocalDpi xmlns:a14="http://schemas.microsoft.com/office/drawing/2010/main" val="0"/>
+              </a:ext>
+            </a:extLst>
+          </a:blip>
+          <a:srcRect/>
+          <a:stretch>
+            <a:fillRect/>
+          </a:stretch>
+        </p:blipFill>
+        <p:spPr bwMode="auto">
+          <a:xfrm>
+            <a:off x="4952999" y="3686434"/>
+            <a:ext cx="3199401" cy="2333365"/>
+          </a:xfrm>
+          <a:prstGeom prst="rect">
+            <a:avLst/>
+          </a:prstGeom>
+          <a:noFill/>
+          <a:extLst>
+            <a:ext uri="{909E8E84-426E-40DD-AFC4-6F175D3DCCD1}">
+              <a14:hiddenFill xmlns:a14="http://schemas.microsoft.com/office/drawing/2010/main">
                 <a:solidFill>
-                  <a:srgbClr val="000000"/>
+                  <a:srgbClr val="FFFFFF"/>
                 </a:solidFill>
-                <a:miter lim="800000"/>
-                <a:headEnd/>
-                <a:tailEnd/>
-              </a14:hiddenLine>
+              </a14:hiddenFill>
             </a:ext>
           </a:extLst>
         </p:spPr>
@@ -6793,7 +6839,7 @@
     </p:spTree>
     <p:extLst>
       <p:ext uri="{BB962C8B-B14F-4D97-AF65-F5344CB8AC3E}">
-        <p14:creationId xmlns:p14="http://schemas.microsoft.com/office/powerpoint/2010/main" val="3616106362"/>
+        <p14:creationId xmlns:p14="http://schemas.microsoft.com/office/powerpoint/2010/main" val="616606081"/>
       </p:ext>
     </p:extLst>
   </p:cSld>
@@ -6838,10 +6884,10 @@
           <a:lstStyle/>
           <a:p>
             <a:r>
-              <a:rPr lang="en-US" sz="3000" dirty="0" smtClean="0"/>
-              <a:t>External Challenges: Big Data</a:t>
-            </a:r>
-            <a:endParaRPr lang="en-US" sz="3000" dirty="0"/>
+              <a:rPr lang="en-US" sz="3200" dirty="0" smtClean="0"/>
+              <a:t>Internal Challenges: IT</a:t>
+            </a:r>
+            <a:endParaRPr lang="en-US" sz="3200" dirty="0"/>
           </a:p>
         </p:txBody>
       </p:sp>
@@ -6855,24 +6901,134 @@
             <p:ph idx="1"/>
           </p:nvPr>
         </p:nvSpPr>
-        <p:spPr>
-          <a:xfrm>
-            <a:off x="462597" y="1447801"/>
-            <a:ext cx="8229600" cy="5132388"/>
-          </a:xfrm>
-        </p:spPr>
-        <p:txBody>
-          <a:bodyPr/>
-          <a:lstStyle/>
-          <a:p>
+        <p:spPr/>
+        <p:txBody>
+          <a:bodyPr/>
+          <a:lstStyle/>
+          <a:p>
+            <a:r>
+              <a:rPr lang="en-US" dirty="0" smtClean="0"/>
+              <a:t>This is real BAD…</a:t>
+            </a:r>
+          </a:p>
+          <a:p>
+            <a:r>
+              <a:rPr lang="en-US" dirty="0" smtClean="0"/>
+              <a:t>What we can do</a:t>
+            </a:r>
+          </a:p>
+          <a:p>
+            <a:pPr lvl="1"/>
+            <a:r>
+              <a:rPr lang="en-US" dirty="0"/>
+              <a:t>Utilize your local favorite text editors or even SAS </a:t>
+            </a:r>
+            <a:r>
+              <a:rPr lang="en-US" dirty="0" smtClean="0"/>
+              <a:t>editors</a:t>
+            </a:r>
             <a:endParaRPr lang="en-US" dirty="0"/>
           </a:p>
-        </p:txBody>
-      </p:sp>
+          <a:p>
+            <a:pPr lvl="1"/>
+            <a:r>
+              <a:rPr lang="en-US" dirty="0"/>
+              <a:t>Modularize your </a:t>
+            </a:r>
+            <a:r>
+              <a:rPr lang="en-US" dirty="0" smtClean="0"/>
+              <a:t>codes/jobs</a:t>
+            </a:r>
+            <a:endParaRPr lang="en-US" dirty="0"/>
+          </a:p>
+        </p:txBody>
+      </p:sp>
+      <p:pic>
+        <p:nvPicPr>
+          <p:cNvPr id="4098" name="Picture 2" descr="http://support.sas.com/kb/45/addl/fusion_45270_7_usage_note_45270__1.png"/>
+          <p:cNvPicPr>
+            <a:picLocks noChangeAspect="1" noChangeArrowheads="1"/>
+          </p:cNvPicPr>
+          <p:nvPr/>
+        </p:nvPicPr>
+        <p:blipFill>
+          <a:blip r:embed="rId2" cstate="print">
+            <a:extLst>
+              <a:ext uri="{28A0092B-C50C-407E-A947-70E740481C1C}">
+                <a14:useLocalDpi xmlns:a14="http://schemas.microsoft.com/office/drawing/2010/main" val="0"/>
+              </a:ext>
+            </a:extLst>
+          </a:blip>
+          <a:srcRect/>
+          <a:stretch>
+            <a:fillRect/>
+          </a:stretch>
+        </p:blipFill>
+        <p:spPr bwMode="auto">
+          <a:xfrm>
+            <a:off x="5437515" y="457200"/>
+            <a:ext cx="1143176" cy="961765"/>
+          </a:xfrm>
+          <a:prstGeom prst="rect">
+            <a:avLst/>
+          </a:prstGeom>
+          <a:noFill/>
+          <a:extLst>
+            <a:ext uri="{909E8E84-426E-40DD-AFC4-6F175D3DCCD1}">
+              <a14:hiddenFill xmlns:a14="http://schemas.microsoft.com/office/drawing/2010/main">
+                <a:solidFill>
+                  <a:srgbClr val="FFFFFF"/>
+                </a:solidFill>
+              </a14:hiddenFill>
+            </a:ext>
+          </a:extLst>
+        </p:spPr>
+      </p:pic>
+      <p:pic>
+        <p:nvPicPr>
+          <p:cNvPr id="4100" name="Picture 4" descr="https://communities.sas.com/legacyfs/online/2234_statistics.png"/>
+          <p:cNvPicPr>
+            <a:picLocks noChangeAspect="1" noChangeArrowheads="1"/>
+          </p:cNvPicPr>
+          <p:nvPr/>
+        </p:nvPicPr>
+        <p:blipFill>
+          <a:blip r:embed="rId3" cstate="print">
+            <a:extLst>
+              <a:ext uri="{28A0092B-C50C-407E-A947-70E740481C1C}">
+                <a14:useLocalDpi xmlns:a14="http://schemas.microsoft.com/office/drawing/2010/main" val="0"/>
+              </a:ext>
+            </a:extLst>
+          </a:blip>
+          <a:srcRect/>
+          <a:stretch>
+            <a:fillRect/>
+          </a:stretch>
+        </p:blipFill>
+        <p:spPr bwMode="auto">
+          <a:xfrm>
+            <a:off x="7086600" y="609599"/>
+            <a:ext cx="1109765" cy="809366"/>
+          </a:xfrm>
+          <a:prstGeom prst="rect">
+            <a:avLst/>
+          </a:prstGeom>
+          <a:noFill/>
+          <a:extLst>
+            <a:ext uri="{909E8E84-426E-40DD-AFC4-6F175D3DCCD1}">
+              <a14:hiddenFill xmlns:a14="http://schemas.microsoft.com/office/drawing/2010/main">
+                <a:solidFill>
+                  <a:srgbClr val="FFFFFF"/>
+                </a:solidFill>
+              </a14:hiddenFill>
+            </a:ext>
+          </a:extLst>
+        </p:spPr>
+      </p:pic>
     </p:spTree>
     <p:extLst>
       <p:ext uri="{BB962C8B-B14F-4D97-AF65-F5344CB8AC3E}">
-        <p14:creationId xmlns:p14="http://schemas.microsoft.com/office/powerpoint/2010/main" val="4157936005"/>
+        <p14:creationId xmlns:p14="http://schemas.microsoft.com/office/powerpoint/2010/main" val="582560548"/>
       </p:ext>
     </p:extLst>
   </p:cSld>
@@ -6917,106 +7073,74 @@
           <a:lstStyle/>
           <a:p>
             <a:r>
-              <a:rPr lang="en-US" sz="2400" dirty="0" smtClean="0"/>
-              <a:t>External Challenges: </a:t>
+              <a:rPr lang="en-US" sz="3200" dirty="0" smtClean="0"/>
+              <a:t>Internal Challenges: Outsourcing</a:t>
+            </a:r>
+            <a:endParaRPr lang="en-US" sz="3200" dirty="0"/>
+          </a:p>
+        </p:txBody>
+      </p:sp>
+      <p:sp>
+        <p:nvSpPr>
+          <p:cNvPr id="3" name="Content Placeholder 2"/>
+          <p:cNvSpPr>
+            <a:spLocks noGrp="1"/>
+          </p:cNvSpPr>
+          <p:nvPr>
+            <p:ph idx="1"/>
+          </p:nvPr>
+        </p:nvSpPr>
+        <p:spPr/>
+        <p:txBody>
+          <a:bodyPr/>
+          <a:lstStyle/>
+          <a:p>
+            <a:pPr marL="0" indent="0" algn="ctr">
+              <a:buNone/>
+            </a:pPr>
+            <a:r>
+              <a:rPr lang="en-US" sz="4000" dirty="0"/>
+              <a:t/>
             </a:r>
             <a:br>
-              <a:rPr lang="en-US" sz="2400" dirty="0" smtClean="0"/>
+              <a:rPr lang="en-US" sz="4000" dirty="0"/>
             </a:br>
             <a:r>
-              <a:rPr lang="en-US" sz="2400" dirty="0"/>
-              <a:t> </a:t>
-            </a:r>
-            <a:r>
-              <a:rPr lang="en-US" sz="2400" dirty="0" smtClean="0"/>
-              <a:t>     Pool of new SAS Programmers</a:t>
-            </a:r>
-            <a:endParaRPr lang="en-US" sz="2400" dirty="0"/>
-          </a:p>
-        </p:txBody>
-      </p:sp>
-      <p:sp>
-        <p:nvSpPr>
-          <p:cNvPr id="3" name="Content Placeholder 2"/>
-          <p:cNvSpPr>
-            <a:spLocks noGrp="1"/>
-          </p:cNvSpPr>
-          <p:nvPr>
-            <p:ph idx="1"/>
-          </p:nvPr>
-        </p:nvSpPr>
-        <p:spPr>
-          <a:xfrm>
-            <a:off x="462597" y="1447801"/>
-            <a:ext cx="8229600" cy="5132388"/>
-          </a:xfrm>
-        </p:spPr>
-        <p:txBody>
-          <a:bodyPr/>
-          <a:lstStyle/>
-          <a:p>
-            <a:endParaRPr lang="en-US" dirty="0"/>
-          </a:p>
-        </p:txBody>
-      </p:sp>
-      <p:pic>
-        <p:nvPicPr>
-          <p:cNvPr id="2050" name="Picture 2" descr="Blogs"/>
-          <p:cNvPicPr>
-            <a:picLocks noChangeAspect="1" noChangeArrowheads="1"/>
-          </p:cNvPicPr>
-          <p:nvPr/>
-        </p:nvPicPr>
-        <p:blipFill>
-          <a:blip r:embed="rId2" cstate="print">
-            <a:extLst>
-              <a:ext uri="{28A0092B-C50C-407E-A947-70E740481C1C}">
-                <a14:useLocalDpi xmlns:a14="http://schemas.microsoft.com/office/drawing/2010/main" val="0"/>
-              </a:ext>
-            </a:extLst>
-          </a:blip>
-          <a:srcRect/>
-          <a:stretch>
-            <a:fillRect/>
-          </a:stretch>
-        </p:blipFill>
-        <p:spPr bwMode="auto">
-          <a:xfrm>
-            <a:off x="2057400" y="2819400"/>
-            <a:ext cx="4157663" cy="1665287"/>
-          </a:xfrm>
-          <a:prstGeom prst="rect">
-            <a:avLst/>
-          </a:prstGeom>
-          <a:noFill/>
-          <a:ln>
-            <a:noFill/>
-          </a:ln>
-          <a:extLst>
-            <a:ext uri="{909E8E84-426E-40DD-AFC4-6F175D3DCCD1}">
-              <a14:hiddenFill xmlns:a14="http://schemas.microsoft.com/office/drawing/2010/main">
+              <a:rPr lang="en-US" sz="4000" dirty="0">
                 <a:solidFill>
-                  <a:srgbClr val="FFFFFF"/>
+                  <a:srgbClr val="FF0000"/>
                 </a:solidFill>
-              </a14:hiddenFill>
-            </a:ext>
-            <a:ext uri="{91240B29-F687-4F45-9708-019B960494DF}">
-              <a14:hiddenLine xmlns:a14="http://schemas.microsoft.com/office/drawing/2010/main" w="9525">
+              </a:rPr>
+              <a:t>if you can’t get it here, </a:t>
+            </a:r>
+          </a:p>
+          <a:p>
+            <a:pPr marL="0" indent="0" algn="ctr">
+              <a:buNone/>
+            </a:pPr>
+            <a:r>
+              <a:rPr lang="en-US" sz="4000" dirty="0">
                 <a:solidFill>
-                  <a:srgbClr val="000000"/>
+                  <a:srgbClr val="FF0000"/>
                 </a:solidFill>
-                <a:miter lim="800000"/>
-                <a:headEnd/>
-                <a:tailEnd/>
-              </a14:hiddenLine>
-            </a:ext>
-          </a:extLst>
-        </p:spPr>
-      </p:pic>
+              </a:rPr>
+              <a:t>you can get it somewhere</a:t>
+            </a:r>
+            <a:r>
+              <a:rPr lang="en-US" sz="4000" dirty="0"/>
+              <a:t/>
+            </a:r>
+            <a:br>
+              <a:rPr lang="en-US" sz="4000" dirty="0"/>
+            </a:br>
+            <a:endParaRPr lang="en-US" sz="4000" dirty="0"/>
+          </a:p>
+        </p:txBody>
+      </p:sp>
     </p:spTree>
     <p:extLst>
       <p:ext uri="{BB962C8B-B14F-4D97-AF65-F5344CB8AC3E}">
-        <p14:creationId xmlns:p14="http://schemas.microsoft.com/office/powerpoint/2010/main" val="2614524853"/>
+        <p14:creationId xmlns:p14="http://schemas.microsoft.com/office/powerpoint/2010/main" val="1608733179"/>
       </p:ext>
     </p:extLst>
   </p:cSld>
@@ -7061,21 +7185,10 @@
           <a:lstStyle/>
           <a:p>
             <a:r>
-              <a:rPr lang="en-US" sz="2400" dirty="0" smtClean="0"/>
-              <a:t>External Challenges: </a:t>
-            </a:r>
-            <a:br>
-              <a:rPr lang="en-US" sz="2400" dirty="0" smtClean="0"/>
-            </a:br>
-            <a:r>
-              <a:rPr lang="en-US" sz="2400" dirty="0"/>
-              <a:t> </a:t>
-            </a:r>
-            <a:r>
-              <a:rPr lang="en-US" sz="2400" dirty="0" smtClean="0"/>
-              <a:t>     Pool of new SAS Programmers</a:t>
-            </a:r>
-            <a:endParaRPr lang="en-US" sz="2400" dirty="0"/>
+              <a:rPr lang="en-US" sz="3000" dirty="0" smtClean="0"/>
+              <a:t>External Challenges: SAS</a:t>
+            </a:r>
+            <a:endParaRPr lang="en-US" sz="3000" dirty="0"/>
           </a:p>
         </p:txBody>
       </p:sp>
@@ -7099,68 +7212,42 @@
           <a:bodyPr/>
           <a:lstStyle/>
           <a:p>
+            <a:r>
+              <a:rPr lang="en-US" dirty="0" smtClean="0"/>
+              <a:t>SAS is a proprietary software</a:t>
+            </a:r>
             <a:endParaRPr lang="en-US" dirty="0"/>
           </a:p>
         </p:txBody>
       </p:sp>
       <p:pic>
         <p:nvPicPr>
-          <p:cNvPr id="3074" name="Picture 2" descr="forum"/>
+          <p:cNvPr id="5" name="Picture 4"/>
           <p:cNvPicPr>
-            <a:picLocks noChangeAspect="1" noChangeArrowheads="1"/>
+            <a:picLocks noChangeAspect="1"/>
           </p:cNvPicPr>
           <p:nvPr/>
         </p:nvPicPr>
         <p:blipFill>
-          <a:blip r:embed="rId2" cstate="print">
-            <a:extLst>
-              <a:ext uri="{28A0092B-C50C-407E-A947-70E740481C1C}">
-                <a14:useLocalDpi xmlns:a14="http://schemas.microsoft.com/office/drawing/2010/main" val="0"/>
-              </a:ext>
-            </a:extLst>
-          </a:blip>
-          <a:srcRect/>
+          <a:blip r:embed="rId2"/>
           <a:stretch>
             <a:fillRect/>
           </a:stretch>
         </p:blipFill>
-        <p:spPr bwMode="auto">
-          <a:xfrm>
-            <a:off x="1981200" y="2057400"/>
-            <a:ext cx="4360862" cy="3090862"/>
-          </a:xfrm>
-          <a:prstGeom prst="rect">
-            <a:avLst/>
-          </a:prstGeom>
-          <a:noFill/>
-          <a:ln>
-            <a:noFill/>
-          </a:ln>
-          <a:extLst>
-            <a:ext uri="{909E8E84-426E-40DD-AFC4-6F175D3DCCD1}">
-              <a14:hiddenFill xmlns:a14="http://schemas.microsoft.com/office/drawing/2010/main">
-                <a:solidFill>
-                  <a:srgbClr val="FFFFFF"/>
-                </a:solidFill>
-              </a14:hiddenFill>
-            </a:ext>
-            <a:ext uri="{91240B29-F687-4F45-9708-019B960494DF}">
-              <a14:hiddenLine xmlns:a14="http://schemas.microsoft.com/office/drawing/2010/main" w="9525">
-                <a:solidFill>
-                  <a:srgbClr val="000000"/>
-                </a:solidFill>
-                <a:miter lim="800000"/>
-                <a:headEnd/>
-                <a:tailEnd/>
-              </a14:hiddenLine>
-            </a:ext>
-          </a:extLst>
+        <p:spPr>
+          <a:xfrm>
+            <a:off x="1219200" y="2209800"/>
+            <a:ext cx="6367462" cy="4096950"/>
+          </a:xfrm>
+          <a:prstGeom prst="rect">
+            <a:avLst/>
+          </a:prstGeom>
         </p:spPr>
       </p:pic>
     </p:spTree>
     <p:extLst>
       <p:ext uri="{BB962C8B-B14F-4D97-AF65-F5344CB8AC3E}">
-        <p14:creationId xmlns:p14="http://schemas.microsoft.com/office/powerpoint/2010/main" val="3669150026"/>
+        <p14:creationId xmlns:p14="http://schemas.microsoft.com/office/powerpoint/2010/main" val="2175685493"/>
       </p:ext>
     </p:extLst>
   </p:cSld>
@@ -7205,6 +7292,498 @@
           <a:lstStyle/>
           <a:p>
             <a:r>
+              <a:rPr lang="en-US" sz="3000" dirty="0" smtClean="0"/>
+              <a:t>External Challenges: SAS</a:t>
+            </a:r>
+            <a:endParaRPr lang="en-US" sz="3000" dirty="0"/>
+          </a:p>
+        </p:txBody>
+      </p:sp>
+      <p:sp>
+        <p:nvSpPr>
+          <p:cNvPr id="3" name="Content Placeholder 2"/>
+          <p:cNvSpPr>
+            <a:spLocks noGrp="1"/>
+          </p:cNvSpPr>
+          <p:nvPr>
+            <p:ph idx="1"/>
+          </p:nvPr>
+        </p:nvSpPr>
+        <p:spPr>
+          <a:xfrm>
+            <a:off x="462597" y="1447801"/>
+            <a:ext cx="8229600" cy="5132388"/>
+          </a:xfrm>
+        </p:spPr>
+        <p:txBody>
+          <a:bodyPr/>
+          <a:lstStyle/>
+          <a:p>
+            <a:endParaRPr lang="en-US" dirty="0"/>
+          </a:p>
+        </p:txBody>
+      </p:sp>
+      <p:pic>
+        <p:nvPicPr>
+          <p:cNvPr id="6" name="Picture 5"/>
+          <p:cNvPicPr>
+            <a:picLocks noChangeAspect="1"/>
+          </p:cNvPicPr>
+          <p:nvPr/>
+        </p:nvPicPr>
+        <p:blipFill>
+          <a:blip r:embed="rId2"/>
+          <a:stretch>
+            <a:fillRect/>
+          </a:stretch>
+        </p:blipFill>
+        <p:spPr>
+          <a:xfrm>
+            <a:off x="1752600" y="1524000"/>
+            <a:ext cx="5853112" cy="4631221"/>
+          </a:xfrm>
+          <a:prstGeom prst="rect">
+            <a:avLst/>
+          </a:prstGeom>
+        </p:spPr>
+      </p:pic>
+    </p:spTree>
+    <p:extLst>
+      <p:ext uri="{BB962C8B-B14F-4D97-AF65-F5344CB8AC3E}">
+        <p14:creationId xmlns:p14="http://schemas.microsoft.com/office/powerpoint/2010/main" val="2693832841"/>
+      </p:ext>
+    </p:extLst>
+  </p:cSld>
+  <p:clrMapOvr>
+    <a:masterClrMapping/>
+  </p:clrMapOvr>
+</p:sld>
+</file>
+
+<file path=ppt/slides/slide15.xml><?xml version="1.0" encoding="utf-8"?>
+<p:sld xmlns:a="http://schemas.openxmlformats.org/drawingml/2006/main" xmlns:r="http://schemas.openxmlformats.org/officeDocument/2006/relationships" xmlns:p="http://schemas.openxmlformats.org/presentationml/2006/main">
+  <p:cSld>
+    <p:spTree>
+      <p:nvGrpSpPr>
+        <p:cNvPr id="1" name=""/>
+        <p:cNvGrpSpPr/>
+        <p:nvPr/>
+      </p:nvGrpSpPr>
+      <p:grpSpPr>
+        <a:xfrm>
+          <a:off x="0" y="0"/>
+          <a:ext cx="0" cy="0"/>
+          <a:chOff x="0" y="0"/>
+          <a:chExt cx="0" cy="0"/>
+        </a:xfrm>
+      </p:grpSpPr>
+      <p:sp>
+        <p:nvSpPr>
+          <p:cNvPr id="2" name="Title 1"/>
+          <p:cNvSpPr>
+            <a:spLocks noGrp="1"/>
+          </p:cNvSpPr>
+          <p:nvPr>
+            <p:ph type="title"/>
+          </p:nvPr>
+        </p:nvSpPr>
+        <p:spPr/>
+        <p:txBody>
+          <a:bodyPr>
+            <a:normAutofit/>
+          </a:bodyPr>
+          <a:lstStyle/>
+          <a:p>
+            <a:r>
+              <a:rPr lang="en-US" sz="3000" dirty="0" smtClean="0"/>
+              <a:t>External Challenges: R</a:t>
+            </a:r>
+            <a:endParaRPr lang="en-US" sz="3000" dirty="0"/>
+          </a:p>
+        </p:txBody>
+      </p:sp>
+      <p:sp>
+        <p:nvSpPr>
+          <p:cNvPr id="3" name="Content Placeholder 2"/>
+          <p:cNvSpPr>
+            <a:spLocks noGrp="1"/>
+          </p:cNvSpPr>
+          <p:nvPr>
+            <p:ph idx="1"/>
+          </p:nvPr>
+        </p:nvSpPr>
+        <p:spPr>
+          <a:xfrm>
+            <a:off x="462597" y="1447801"/>
+            <a:ext cx="8229600" cy="5132388"/>
+          </a:xfrm>
+        </p:spPr>
+        <p:txBody>
+          <a:bodyPr/>
+          <a:lstStyle/>
+          <a:p>
+            <a:endParaRPr lang="en-US" dirty="0"/>
+          </a:p>
+        </p:txBody>
+      </p:sp>
+      <p:pic>
+        <p:nvPicPr>
+          <p:cNvPr id="1026" name="Picture 2" descr="R_SAS"/>
+          <p:cNvPicPr>
+            <a:picLocks noChangeAspect="1" noChangeArrowheads="1"/>
+          </p:cNvPicPr>
+          <p:nvPr/>
+        </p:nvPicPr>
+        <p:blipFill>
+          <a:blip r:embed="rId2" cstate="print">
+            <a:extLst>
+              <a:ext uri="{28A0092B-C50C-407E-A947-70E740481C1C}">
+                <a14:useLocalDpi xmlns:a14="http://schemas.microsoft.com/office/drawing/2010/main" val="0"/>
+              </a:ext>
+            </a:extLst>
+          </a:blip>
+          <a:srcRect/>
+          <a:stretch>
+            <a:fillRect/>
+          </a:stretch>
+        </p:blipFill>
+        <p:spPr bwMode="auto">
+          <a:xfrm>
+            <a:off x="1752600" y="2438400"/>
+            <a:ext cx="4533900" cy="2887663"/>
+          </a:xfrm>
+          <a:prstGeom prst="rect">
+            <a:avLst/>
+          </a:prstGeom>
+          <a:noFill/>
+          <a:ln>
+            <a:noFill/>
+          </a:ln>
+          <a:extLst>
+            <a:ext uri="{909E8E84-426E-40DD-AFC4-6F175D3DCCD1}">
+              <a14:hiddenFill xmlns:a14="http://schemas.microsoft.com/office/drawing/2010/main">
+                <a:solidFill>
+                  <a:srgbClr val="FFFFFF"/>
+                </a:solidFill>
+              </a14:hiddenFill>
+            </a:ext>
+            <a:ext uri="{91240B29-F687-4F45-9708-019B960494DF}">
+              <a14:hiddenLine xmlns:a14="http://schemas.microsoft.com/office/drawing/2010/main" w="9525">
+                <a:solidFill>
+                  <a:srgbClr val="000000"/>
+                </a:solidFill>
+                <a:miter lim="800000"/>
+                <a:headEnd/>
+                <a:tailEnd/>
+              </a14:hiddenLine>
+            </a:ext>
+          </a:extLst>
+        </p:spPr>
+      </p:pic>
+    </p:spTree>
+    <p:extLst>
+      <p:ext uri="{BB962C8B-B14F-4D97-AF65-F5344CB8AC3E}">
+        <p14:creationId xmlns:p14="http://schemas.microsoft.com/office/powerpoint/2010/main" val="3616106362"/>
+      </p:ext>
+    </p:extLst>
+  </p:cSld>
+  <p:clrMapOvr>
+    <a:masterClrMapping/>
+  </p:clrMapOvr>
+</p:sld>
+</file>
+
+<file path=ppt/slides/slide16.xml><?xml version="1.0" encoding="utf-8"?>
+<p:sld xmlns:a="http://schemas.openxmlformats.org/drawingml/2006/main" xmlns:r="http://schemas.openxmlformats.org/officeDocument/2006/relationships" xmlns:p="http://schemas.openxmlformats.org/presentationml/2006/main">
+  <p:cSld>
+    <p:spTree>
+      <p:nvGrpSpPr>
+        <p:cNvPr id="1" name=""/>
+        <p:cNvGrpSpPr/>
+        <p:nvPr/>
+      </p:nvGrpSpPr>
+      <p:grpSpPr>
+        <a:xfrm>
+          <a:off x="0" y="0"/>
+          <a:ext cx="0" cy="0"/>
+          <a:chOff x="0" y="0"/>
+          <a:chExt cx="0" cy="0"/>
+        </a:xfrm>
+      </p:grpSpPr>
+      <p:sp>
+        <p:nvSpPr>
+          <p:cNvPr id="2" name="Title 1"/>
+          <p:cNvSpPr>
+            <a:spLocks noGrp="1"/>
+          </p:cNvSpPr>
+          <p:nvPr>
+            <p:ph type="title"/>
+          </p:nvPr>
+        </p:nvSpPr>
+        <p:spPr/>
+        <p:txBody>
+          <a:bodyPr>
+            <a:normAutofit/>
+          </a:bodyPr>
+          <a:lstStyle/>
+          <a:p>
+            <a:r>
+              <a:rPr lang="en-US" sz="3000" dirty="0" smtClean="0"/>
+              <a:t>External Challenges: R</a:t>
+            </a:r>
+            <a:endParaRPr lang="en-US" sz="3000" dirty="0"/>
+          </a:p>
+        </p:txBody>
+      </p:sp>
+      <p:sp>
+        <p:nvSpPr>
+          <p:cNvPr id="5" name="Content Placeholder 4"/>
+          <p:cNvSpPr>
+            <a:spLocks noGrp="1"/>
+          </p:cNvSpPr>
+          <p:nvPr>
+            <p:ph sz="half" idx="1"/>
+          </p:nvPr>
+        </p:nvSpPr>
+        <p:spPr/>
+        <p:txBody>
+          <a:bodyPr/>
+          <a:lstStyle/>
+          <a:p>
+            <a:endParaRPr lang="en-US" dirty="0"/>
+          </a:p>
+        </p:txBody>
+      </p:sp>
+      <p:sp>
+        <p:nvSpPr>
+          <p:cNvPr id="6" name="Content Placeholder 5"/>
+          <p:cNvSpPr>
+            <a:spLocks noGrp="1"/>
+          </p:cNvSpPr>
+          <p:nvPr>
+            <p:ph sz="half" idx="2"/>
+          </p:nvPr>
+        </p:nvSpPr>
+        <p:spPr/>
+        <p:txBody>
+          <a:bodyPr/>
+          <a:lstStyle/>
+          <a:p>
+            <a:endParaRPr lang="en-US" dirty="0"/>
+          </a:p>
+        </p:txBody>
+      </p:sp>
+      <p:pic>
+        <p:nvPicPr>
+          <p:cNvPr id="4" name="Picture 3"/>
+          <p:cNvPicPr>
+            <a:picLocks noChangeAspect="1"/>
+          </p:cNvPicPr>
+          <p:nvPr/>
+        </p:nvPicPr>
+        <p:blipFill>
+          <a:blip r:embed="rId2"/>
+          <a:stretch>
+            <a:fillRect/>
+          </a:stretch>
+        </p:blipFill>
+        <p:spPr>
+          <a:xfrm>
+            <a:off x="533400" y="1814691"/>
+            <a:ext cx="3628331" cy="2232819"/>
+          </a:xfrm>
+          <a:prstGeom prst="rect">
+            <a:avLst/>
+          </a:prstGeom>
+        </p:spPr>
+      </p:pic>
+      <p:pic>
+        <p:nvPicPr>
+          <p:cNvPr id="7" name="Picture 6"/>
+          <p:cNvPicPr>
+            <a:picLocks noChangeAspect="1"/>
+          </p:cNvPicPr>
+          <p:nvPr/>
+        </p:nvPicPr>
+        <p:blipFill>
+          <a:blip r:embed="rId3"/>
+          <a:stretch>
+            <a:fillRect/>
+          </a:stretch>
+        </p:blipFill>
+        <p:spPr>
+          <a:xfrm>
+            <a:off x="4618653" y="1785144"/>
+            <a:ext cx="3495575" cy="2505075"/>
+          </a:xfrm>
+          <a:prstGeom prst="rect">
+            <a:avLst/>
+          </a:prstGeom>
+        </p:spPr>
+      </p:pic>
+    </p:spTree>
+    <p:extLst>
+      <p:ext uri="{BB962C8B-B14F-4D97-AF65-F5344CB8AC3E}">
+        <p14:creationId xmlns:p14="http://schemas.microsoft.com/office/powerpoint/2010/main" val="944819830"/>
+      </p:ext>
+    </p:extLst>
+  </p:cSld>
+  <p:clrMapOvr>
+    <a:masterClrMapping/>
+  </p:clrMapOvr>
+</p:sld>
+</file>
+
+<file path=ppt/slides/slide17.xml><?xml version="1.0" encoding="utf-8"?>
+<p:sld xmlns:a="http://schemas.openxmlformats.org/drawingml/2006/main" xmlns:r="http://schemas.openxmlformats.org/officeDocument/2006/relationships" xmlns:p="http://schemas.openxmlformats.org/presentationml/2006/main">
+  <p:cSld>
+    <p:spTree>
+      <p:nvGrpSpPr>
+        <p:cNvPr id="1" name=""/>
+        <p:cNvGrpSpPr/>
+        <p:nvPr/>
+      </p:nvGrpSpPr>
+      <p:grpSpPr>
+        <a:xfrm>
+          <a:off x="0" y="0"/>
+          <a:ext cx="0" cy="0"/>
+          <a:chOff x="0" y="0"/>
+          <a:chExt cx="0" cy="0"/>
+        </a:xfrm>
+      </p:grpSpPr>
+      <p:sp>
+        <p:nvSpPr>
+          <p:cNvPr id="2" name="Title 1"/>
+          <p:cNvSpPr>
+            <a:spLocks noGrp="1"/>
+          </p:cNvSpPr>
+          <p:nvPr>
+            <p:ph type="title"/>
+          </p:nvPr>
+        </p:nvSpPr>
+        <p:spPr>
+          <a:xfrm>
+            <a:off x="0" y="0"/>
+            <a:ext cx="8610600" cy="1371600"/>
+          </a:xfrm>
+        </p:spPr>
+        <p:txBody>
+          <a:bodyPr>
+            <a:normAutofit/>
+          </a:bodyPr>
+          <a:lstStyle/>
+          <a:p>
+            <a:r>
+              <a:rPr lang="en-US" sz="3000" dirty="0" smtClean="0"/>
+              <a:t>External Challenges: Big Data</a:t>
+            </a:r>
+            <a:endParaRPr lang="en-US" sz="3000" dirty="0"/>
+          </a:p>
+        </p:txBody>
+      </p:sp>
+      <p:sp>
+        <p:nvSpPr>
+          <p:cNvPr id="8" name="Content Placeholder 7"/>
+          <p:cNvSpPr>
+            <a:spLocks noGrp="1"/>
+          </p:cNvSpPr>
+          <p:nvPr>
+            <p:ph idx="1"/>
+          </p:nvPr>
+        </p:nvSpPr>
+        <p:spPr>
+          <a:xfrm>
+            <a:off x="457200" y="1219200"/>
+            <a:ext cx="8229600" cy="4525963"/>
+          </a:xfrm>
+        </p:spPr>
+        <p:txBody>
+          <a:bodyPr/>
+          <a:lstStyle/>
+          <a:p>
+            <a:endParaRPr lang="en-US" dirty="0"/>
+          </a:p>
+        </p:txBody>
+      </p:sp>
+      <p:pic>
+        <p:nvPicPr>
+          <p:cNvPr id="9" name="Picture 8"/>
+          <p:cNvPicPr>
+            <a:picLocks noChangeAspect="1"/>
+          </p:cNvPicPr>
+          <p:nvPr/>
+        </p:nvPicPr>
+        <p:blipFill>
+          <a:blip r:embed="rId2"/>
+          <a:stretch>
+            <a:fillRect/>
+          </a:stretch>
+        </p:blipFill>
+        <p:spPr>
+          <a:xfrm>
+            <a:off x="1981200" y="1143000"/>
+            <a:ext cx="5391150" cy="5370832"/>
+          </a:xfrm>
+          <a:prstGeom prst="rect">
+            <a:avLst/>
+          </a:prstGeom>
+        </p:spPr>
+      </p:pic>
+    </p:spTree>
+    <p:extLst>
+      <p:ext uri="{BB962C8B-B14F-4D97-AF65-F5344CB8AC3E}">
+        <p14:creationId xmlns:p14="http://schemas.microsoft.com/office/powerpoint/2010/main" val="4157936005"/>
+      </p:ext>
+    </p:extLst>
+  </p:cSld>
+  <p:clrMapOvr>
+    <a:masterClrMapping/>
+  </p:clrMapOvr>
+  <p:timing>
+    <p:tnLst>
+      <p:par>
+        <p:cTn id="1" dur="indefinite" restart="never" nodeType="tmRoot"/>
+      </p:par>
+    </p:tnLst>
+  </p:timing>
+</p:sld>
+</file>
+
+<file path=ppt/slides/slide18.xml><?xml version="1.0" encoding="utf-8"?>
+<p:sld xmlns:a="http://schemas.openxmlformats.org/drawingml/2006/main" xmlns:r="http://schemas.openxmlformats.org/officeDocument/2006/relationships" xmlns:p="http://schemas.openxmlformats.org/presentationml/2006/main">
+  <p:cSld>
+    <p:spTree>
+      <p:nvGrpSpPr>
+        <p:cNvPr id="1" name=""/>
+        <p:cNvGrpSpPr/>
+        <p:nvPr/>
+      </p:nvGrpSpPr>
+      <p:grpSpPr>
+        <a:xfrm>
+          <a:off x="0" y="0"/>
+          <a:ext cx="0" cy="0"/>
+          <a:chOff x="0" y="0"/>
+          <a:chExt cx="0" cy="0"/>
+        </a:xfrm>
+      </p:grpSpPr>
+      <p:sp>
+        <p:nvSpPr>
+          <p:cNvPr id="2" name="Title 1"/>
+          <p:cNvSpPr>
+            <a:spLocks noGrp="1"/>
+          </p:cNvSpPr>
+          <p:nvPr>
+            <p:ph type="title"/>
+          </p:nvPr>
+        </p:nvSpPr>
+        <p:spPr/>
+        <p:txBody>
+          <a:bodyPr>
+            <a:normAutofit/>
+          </a:bodyPr>
+          <a:lstStyle/>
+          <a:p>
+            <a:r>
               <a:rPr lang="en-US" sz="2400" dirty="0" smtClean="0"/>
               <a:t>External Challenges: </a:t>
             </a:r>
@@ -7243,100 +7822,219 @@
           <a:bodyPr/>
           <a:lstStyle/>
           <a:p>
-            <a:r>
-              <a:rPr lang="en-US" dirty="0" smtClean="0"/>
-              <a:t>Post </a:t>
-            </a:r>
-            <a:r>
-              <a:rPr lang="en-US" dirty="0"/>
-              <a:t>your question to SAS-L, instead send emails to a single SAS </a:t>
-            </a:r>
-            <a:r>
-              <a:rPr lang="en-US" dirty="0" smtClean="0"/>
-              <a:t>helper</a:t>
-            </a:r>
-          </a:p>
-          <a:p>
-            <a:r>
-              <a:rPr lang="en-US" dirty="0" smtClean="0"/>
-              <a:t>Answer </a:t>
-            </a:r>
-            <a:r>
-              <a:rPr lang="en-US" dirty="0"/>
-              <a:t>questions if </a:t>
-            </a:r>
-            <a:r>
-              <a:rPr lang="en-US" dirty="0" smtClean="0"/>
-              <a:t>possible</a:t>
-            </a:r>
-          </a:p>
-          <a:p>
-            <a:r>
-              <a:rPr lang="en-US" dirty="0" err="1" smtClean="0"/>
-              <a:t>Stackoverflow</a:t>
-            </a:r>
-            <a:r>
-              <a:rPr lang="en-US" dirty="0" smtClean="0"/>
-              <a:t> </a:t>
-            </a:r>
-            <a:r>
-              <a:rPr lang="en-US" dirty="0"/>
-              <a:t>is another good place to post and answer SAS </a:t>
-            </a:r>
-            <a:r>
-              <a:rPr lang="en-US" dirty="0" smtClean="0"/>
-              <a:t>questions</a:t>
-            </a:r>
-          </a:p>
-          <a:p>
-            <a:r>
-              <a:rPr lang="en-US" dirty="0" smtClean="0"/>
-              <a:t>Start </a:t>
-            </a:r>
-            <a:r>
-              <a:rPr lang="en-US" dirty="0"/>
-              <a:t>a SAS </a:t>
-            </a:r>
-            <a:r>
-              <a:rPr lang="en-US" dirty="0" smtClean="0"/>
-              <a:t>blog</a:t>
-            </a:r>
-          </a:p>
-          <a:p>
-            <a:r>
-              <a:rPr lang="en-US" dirty="0" smtClean="0"/>
-              <a:t>Spread </a:t>
-            </a:r>
-            <a:r>
-              <a:rPr lang="en-US" dirty="0"/>
-              <a:t>the </a:t>
-            </a:r>
-            <a:r>
-              <a:rPr lang="en-US" dirty="0" smtClean="0"/>
-              <a:t>news</a:t>
-            </a:r>
-            <a:r>
-              <a:rPr lang="en-US" dirty="0"/>
-              <a:t/>
-            </a:r>
-            <a:br>
-              <a:rPr lang="en-US" dirty="0"/>
-            </a:br>
-            <a:r>
-              <a:rPr lang="en-US" dirty="0"/>
-              <a:t/>
-            </a:r>
-            <a:br>
-              <a:rPr lang="en-US" dirty="0"/>
-            </a:br>
             <a:endParaRPr lang="en-US" dirty="0"/>
           </a:p>
         </p:txBody>
       </p:sp>
+      <p:pic>
+        <p:nvPicPr>
+          <p:cNvPr id="2050" name="Picture 2" descr="Blogs"/>
+          <p:cNvPicPr>
+            <a:picLocks noChangeAspect="1" noChangeArrowheads="1"/>
+          </p:cNvPicPr>
+          <p:nvPr/>
+        </p:nvPicPr>
+        <p:blipFill>
+          <a:blip r:embed="rId2" cstate="print">
+            <a:extLst>
+              <a:ext uri="{28A0092B-C50C-407E-A947-70E740481C1C}">
+                <a14:useLocalDpi xmlns:a14="http://schemas.microsoft.com/office/drawing/2010/main" val="0"/>
+              </a:ext>
+            </a:extLst>
+          </a:blip>
+          <a:srcRect/>
+          <a:stretch>
+            <a:fillRect/>
+          </a:stretch>
+        </p:blipFill>
+        <p:spPr bwMode="auto">
+          <a:xfrm>
+            <a:off x="1143000" y="1752600"/>
+            <a:ext cx="7039096" cy="2819400"/>
+          </a:xfrm>
+          <a:prstGeom prst="rect">
+            <a:avLst/>
+          </a:prstGeom>
+          <a:noFill/>
+          <a:ln>
+            <a:noFill/>
+          </a:ln>
+          <a:extLst>
+            <a:ext uri="{909E8E84-426E-40DD-AFC4-6F175D3DCCD1}">
+              <a14:hiddenFill xmlns:a14="http://schemas.microsoft.com/office/drawing/2010/main">
+                <a:solidFill>
+                  <a:srgbClr val="FFFFFF"/>
+                </a:solidFill>
+              </a14:hiddenFill>
+            </a:ext>
+            <a:ext uri="{91240B29-F687-4F45-9708-019B960494DF}">
+              <a14:hiddenLine xmlns:a14="http://schemas.microsoft.com/office/drawing/2010/main" w="9525">
+                <a:solidFill>
+                  <a:srgbClr val="000000"/>
+                </a:solidFill>
+                <a:miter lim="800000"/>
+                <a:headEnd/>
+                <a:tailEnd/>
+              </a14:hiddenLine>
+            </a:ext>
+          </a:extLst>
+        </p:spPr>
+      </p:pic>
     </p:spTree>
     <p:extLst>
       <p:ext uri="{BB962C8B-B14F-4D97-AF65-F5344CB8AC3E}">
-        <p14:creationId xmlns:p14="http://schemas.microsoft.com/office/powerpoint/2010/main" val="140256527"/>
+        <p14:creationId xmlns:p14="http://schemas.microsoft.com/office/powerpoint/2010/main" val="2614524853"/>
+      </p:ext>
+    </p:extLst>
+  </p:cSld>
+  <p:clrMapOvr>
+    <a:masterClrMapping/>
+  </p:clrMapOvr>
+  <p:timing>
+    <p:tnLst>
+      <p:par>
+        <p:cTn id="1" dur="indefinite" restart="never" nodeType="tmRoot"/>
+      </p:par>
+    </p:tnLst>
+  </p:timing>
+</p:sld>
+</file>
+
+<file path=ppt/slides/slide19.xml><?xml version="1.0" encoding="utf-8"?>
+<p:sld xmlns:a="http://schemas.openxmlformats.org/drawingml/2006/main" xmlns:r="http://schemas.openxmlformats.org/officeDocument/2006/relationships" xmlns:p="http://schemas.openxmlformats.org/presentationml/2006/main">
+  <p:cSld>
+    <p:spTree>
+      <p:nvGrpSpPr>
+        <p:cNvPr id="1" name=""/>
+        <p:cNvGrpSpPr/>
+        <p:nvPr/>
+      </p:nvGrpSpPr>
+      <p:grpSpPr>
+        <a:xfrm>
+          <a:off x="0" y="0"/>
+          <a:ext cx="0" cy="0"/>
+          <a:chOff x="0" y="0"/>
+          <a:chExt cx="0" cy="0"/>
+        </a:xfrm>
+      </p:grpSpPr>
+      <p:sp>
+        <p:nvSpPr>
+          <p:cNvPr id="2" name="Title 1"/>
+          <p:cNvSpPr>
+            <a:spLocks noGrp="1"/>
+          </p:cNvSpPr>
+          <p:nvPr>
+            <p:ph type="title"/>
+          </p:nvPr>
+        </p:nvSpPr>
+        <p:spPr/>
+        <p:txBody>
+          <a:bodyPr>
+            <a:normAutofit/>
+          </a:bodyPr>
+          <a:lstStyle/>
+          <a:p>
+            <a:r>
+              <a:rPr lang="en-US" sz="2400" dirty="0" smtClean="0"/>
+              <a:t>External Challenges: </a:t>
+            </a:r>
+            <a:br>
+              <a:rPr lang="en-US" sz="2400" dirty="0" smtClean="0"/>
+            </a:br>
+            <a:r>
+              <a:rPr lang="en-US" sz="2400" dirty="0"/>
+              <a:t> </a:t>
+            </a:r>
+            <a:r>
+              <a:rPr lang="en-US" sz="2400" dirty="0" smtClean="0"/>
+              <a:t>     Pool of new SAS Programmers</a:t>
+            </a:r>
+            <a:endParaRPr lang="en-US" sz="2400" dirty="0"/>
+          </a:p>
+        </p:txBody>
+      </p:sp>
+      <p:sp>
+        <p:nvSpPr>
+          <p:cNvPr id="3" name="Content Placeholder 2"/>
+          <p:cNvSpPr>
+            <a:spLocks noGrp="1"/>
+          </p:cNvSpPr>
+          <p:nvPr>
+            <p:ph idx="1"/>
+          </p:nvPr>
+        </p:nvSpPr>
+        <p:spPr>
+          <a:xfrm>
+            <a:off x="462597" y="1447801"/>
+            <a:ext cx="8229600" cy="5132388"/>
+          </a:xfrm>
+        </p:spPr>
+        <p:txBody>
+          <a:bodyPr/>
+          <a:lstStyle/>
+          <a:p>
+            <a:endParaRPr lang="en-US" dirty="0"/>
+          </a:p>
+        </p:txBody>
+      </p:sp>
+      <p:pic>
+        <p:nvPicPr>
+          <p:cNvPr id="3074" name="Picture 2" descr="forum"/>
+          <p:cNvPicPr>
+            <a:picLocks noChangeAspect="1" noChangeArrowheads="1"/>
+          </p:cNvPicPr>
+          <p:nvPr/>
+        </p:nvPicPr>
+        <p:blipFill>
+          <a:blip r:embed="rId2" cstate="print">
+            <a:extLst>
+              <a:ext uri="{28A0092B-C50C-407E-A947-70E740481C1C}">
+                <a14:useLocalDpi xmlns:a14="http://schemas.microsoft.com/office/drawing/2010/main" val="0"/>
+              </a:ext>
+            </a:extLst>
+          </a:blip>
+          <a:srcRect/>
+          <a:stretch>
+            <a:fillRect/>
+          </a:stretch>
+        </p:blipFill>
+        <p:spPr bwMode="auto">
+          <a:xfrm>
+            <a:off x="1371600" y="1600200"/>
+            <a:ext cx="5943600" cy="4212664"/>
+          </a:xfrm>
+          <a:prstGeom prst="rect">
+            <a:avLst/>
+          </a:prstGeom>
+          <a:noFill/>
+          <a:ln>
+            <a:noFill/>
+          </a:ln>
+          <a:extLst>
+            <a:ext uri="{909E8E84-426E-40DD-AFC4-6F175D3DCCD1}">
+              <a14:hiddenFill xmlns:a14="http://schemas.microsoft.com/office/drawing/2010/main">
+                <a:solidFill>
+                  <a:srgbClr val="FFFFFF"/>
+                </a:solidFill>
+              </a14:hiddenFill>
+            </a:ext>
+            <a:ext uri="{91240B29-F687-4F45-9708-019B960494DF}">
+              <a14:hiddenLine xmlns:a14="http://schemas.microsoft.com/office/drawing/2010/main" w="9525">
+                <a:solidFill>
+                  <a:srgbClr val="000000"/>
+                </a:solidFill>
+                <a:miter lim="800000"/>
+                <a:headEnd/>
+                <a:tailEnd/>
+              </a14:hiddenLine>
+            </a:ext>
+          </a:extLst>
+        </p:spPr>
+      </p:pic>
+    </p:spTree>
+    <p:extLst>
+      <p:ext uri="{BB962C8B-B14F-4D97-AF65-F5344CB8AC3E}">
+        <p14:creationId xmlns:p14="http://schemas.microsoft.com/office/powerpoint/2010/main" val="3669150026"/>
       </p:ext>
     </p:extLst>
   </p:cSld>
@@ -7420,6 +8118,393 @@
     <p:extLst>
       <p:ext uri="{BB962C8B-B14F-4D97-AF65-F5344CB8AC3E}">
         <p14:creationId xmlns:p14="http://schemas.microsoft.com/office/powerpoint/2010/main" val="484931688"/>
+      </p:ext>
+    </p:extLst>
+  </p:cSld>
+  <p:clrMapOvr>
+    <a:masterClrMapping/>
+  </p:clrMapOvr>
+  <p:timing>
+    <p:tnLst>
+      <p:par>
+        <p:cTn id="1" dur="indefinite" restart="never" nodeType="tmRoot"/>
+      </p:par>
+    </p:tnLst>
+  </p:timing>
+</p:sld>
+</file>
+
+<file path=ppt/slides/slide20.xml><?xml version="1.0" encoding="utf-8"?>
+<p:sld xmlns:a="http://schemas.openxmlformats.org/drawingml/2006/main" xmlns:r="http://schemas.openxmlformats.org/officeDocument/2006/relationships" xmlns:p="http://schemas.openxmlformats.org/presentationml/2006/main">
+  <p:cSld>
+    <p:spTree>
+      <p:nvGrpSpPr>
+        <p:cNvPr id="1" name=""/>
+        <p:cNvGrpSpPr/>
+        <p:nvPr/>
+      </p:nvGrpSpPr>
+      <p:grpSpPr>
+        <a:xfrm>
+          <a:off x="0" y="0"/>
+          <a:ext cx="0" cy="0"/>
+          <a:chOff x="0" y="0"/>
+          <a:chExt cx="0" cy="0"/>
+        </a:xfrm>
+      </p:grpSpPr>
+      <p:sp>
+        <p:nvSpPr>
+          <p:cNvPr id="2" name="Title 1"/>
+          <p:cNvSpPr>
+            <a:spLocks noGrp="1"/>
+          </p:cNvSpPr>
+          <p:nvPr>
+            <p:ph type="title"/>
+          </p:nvPr>
+        </p:nvSpPr>
+        <p:spPr/>
+        <p:txBody>
+          <a:bodyPr>
+            <a:normAutofit/>
+          </a:bodyPr>
+          <a:lstStyle/>
+          <a:p>
+            <a:r>
+              <a:rPr lang="en-US" sz="2400" dirty="0" smtClean="0"/>
+              <a:t>External Challenges: </a:t>
+            </a:r>
+            <a:br>
+              <a:rPr lang="en-US" sz="2400" dirty="0" smtClean="0"/>
+            </a:br>
+            <a:r>
+              <a:rPr lang="en-US" sz="2400" dirty="0"/>
+              <a:t> </a:t>
+            </a:r>
+            <a:r>
+              <a:rPr lang="en-US" sz="2400" dirty="0" smtClean="0"/>
+              <a:t>     Pool of new SAS Programmers</a:t>
+            </a:r>
+            <a:endParaRPr lang="en-US" sz="2400" dirty="0"/>
+          </a:p>
+        </p:txBody>
+      </p:sp>
+      <p:sp>
+        <p:nvSpPr>
+          <p:cNvPr id="3" name="Content Placeholder 2"/>
+          <p:cNvSpPr>
+            <a:spLocks noGrp="1"/>
+          </p:cNvSpPr>
+          <p:nvPr>
+            <p:ph idx="1"/>
+          </p:nvPr>
+        </p:nvSpPr>
+        <p:spPr>
+          <a:xfrm>
+            <a:off x="462597" y="1447801"/>
+            <a:ext cx="8229600" cy="5132388"/>
+          </a:xfrm>
+        </p:spPr>
+        <p:txBody>
+          <a:bodyPr/>
+          <a:lstStyle/>
+          <a:p>
+            <a:r>
+              <a:rPr lang="en-US" dirty="0" smtClean="0"/>
+              <a:t>Post </a:t>
+            </a:r>
+            <a:r>
+              <a:rPr lang="en-US" dirty="0"/>
+              <a:t>your question to SAS-L, instead send emails to a single SAS </a:t>
+            </a:r>
+            <a:r>
+              <a:rPr lang="en-US" dirty="0" smtClean="0"/>
+              <a:t>helper</a:t>
+            </a:r>
+          </a:p>
+          <a:p>
+            <a:r>
+              <a:rPr lang="en-US" dirty="0" smtClean="0"/>
+              <a:t>Answer </a:t>
+            </a:r>
+            <a:r>
+              <a:rPr lang="en-US" dirty="0"/>
+              <a:t>questions if </a:t>
+            </a:r>
+            <a:r>
+              <a:rPr lang="en-US" dirty="0" smtClean="0"/>
+              <a:t>possible</a:t>
+            </a:r>
+          </a:p>
+          <a:p>
+            <a:r>
+              <a:rPr lang="en-US" dirty="0" err="1" smtClean="0"/>
+              <a:t>Stackoverflow</a:t>
+            </a:r>
+            <a:r>
+              <a:rPr lang="en-US" dirty="0" smtClean="0"/>
+              <a:t> </a:t>
+            </a:r>
+            <a:r>
+              <a:rPr lang="en-US" dirty="0"/>
+              <a:t>is another good place to post and answer SAS </a:t>
+            </a:r>
+            <a:r>
+              <a:rPr lang="en-US" dirty="0" smtClean="0"/>
+              <a:t>questions</a:t>
+            </a:r>
+          </a:p>
+          <a:p>
+            <a:r>
+              <a:rPr lang="en-US" dirty="0" smtClean="0"/>
+              <a:t>Start </a:t>
+            </a:r>
+            <a:r>
+              <a:rPr lang="en-US" dirty="0"/>
+              <a:t>a SAS </a:t>
+            </a:r>
+            <a:r>
+              <a:rPr lang="en-US" dirty="0" smtClean="0"/>
+              <a:t>blog</a:t>
+            </a:r>
+          </a:p>
+          <a:p>
+            <a:r>
+              <a:rPr lang="en-US" dirty="0" smtClean="0"/>
+              <a:t>Spread </a:t>
+            </a:r>
+            <a:r>
+              <a:rPr lang="en-US" dirty="0"/>
+              <a:t>the </a:t>
+            </a:r>
+            <a:r>
+              <a:rPr lang="en-US" dirty="0" smtClean="0"/>
+              <a:t>news</a:t>
+            </a:r>
+            <a:r>
+              <a:rPr lang="en-US" dirty="0"/>
+              <a:t/>
+            </a:r>
+            <a:br>
+              <a:rPr lang="en-US" dirty="0"/>
+            </a:br>
+            <a:r>
+              <a:rPr lang="en-US" dirty="0"/>
+              <a:t/>
+            </a:r>
+            <a:br>
+              <a:rPr lang="en-US" dirty="0"/>
+            </a:br>
+            <a:endParaRPr lang="en-US" dirty="0"/>
+          </a:p>
+        </p:txBody>
+      </p:sp>
+    </p:spTree>
+    <p:extLst>
+      <p:ext uri="{BB962C8B-B14F-4D97-AF65-F5344CB8AC3E}">
+        <p14:creationId xmlns:p14="http://schemas.microsoft.com/office/powerpoint/2010/main" val="140256527"/>
+      </p:ext>
+    </p:extLst>
+  </p:cSld>
+  <p:clrMapOvr>
+    <a:masterClrMapping/>
+  </p:clrMapOvr>
+</p:sld>
+</file>
+
+<file path=ppt/slides/slide21.xml><?xml version="1.0" encoding="utf-8"?>
+<p:sld xmlns:a="http://schemas.openxmlformats.org/drawingml/2006/main" xmlns:r="http://schemas.openxmlformats.org/officeDocument/2006/relationships" xmlns:p="http://schemas.openxmlformats.org/presentationml/2006/main">
+  <p:cSld>
+    <p:spTree>
+      <p:nvGrpSpPr>
+        <p:cNvPr id="1" name=""/>
+        <p:cNvGrpSpPr/>
+        <p:nvPr/>
+      </p:nvGrpSpPr>
+      <p:grpSpPr>
+        <a:xfrm>
+          <a:off x="0" y="0"/>
+          <a:ext cx="0" cy="0"/>
+          <a:chOff x="0" y="0"/>
+          <a:chExt cx="0" cy="0"/>
+        </a:xfrm>
+      </p:grpSpPr>
+      <p:sp>
+        <p:nvSpPr>
+          <p:cNvPr id="4" name="Title 3"/>
+          <p:cNvSpPr>
+            <a:spLocks noGrp="1"/>
+          </p:cNvSpPr>
+          <p:nvPr>
+            <p:ph type="ctrTitle"/>
+          </p:nvPr>
+        </p:nvSpPr>
+        <p:spPr>
+          <a:xfrm>
+            <a:off x="685800" y="533401"/>
+            <a:ext cx="7772400" cy="1495423"/>
+          </a:xfrm>
+        </p:spPr>
+        <p:txBody>
+          <a:bodyPr>
+            <a:noAutofit/>
+          </a:bodyPr>
+          <a:lstStyle/>
+          <a:p>
+            <a:r>
+              <a:rPr lang="en-US" sz="2500" dirty="0" smtClean="0"/>
+              <a:t>When Bad Things Happen </a:t>
+            </a:r>
+            <a:r>
+              <a:rPr lang="en-US" sz="2500" smtClean="0"/>
+              <a:t>to </a:t>
+            </a:r>
+            <a:r>
+              <a:rPr lang="en-US" sz="2500" smtClean="0"/>
+              <a:t/>
+            </a:r>
+            <a:br>
+              <a:rPr lang="en-US" sz="2500" smtClean="0"/>
+            </a:br>
+            <a:r>
+              <a:rPr lang="en-US" sz="2500" smtClean="0"/>
+              <a:t>Good </a:t>
+            </a:r>
+            <a:r>
+              <a:rPr lang="en-US" sz="2500" dirty="0" smtClean="0"/>
+              <a:t>SAS® Programmers</a:t>
+            </a:r>
+            <a:endParaRPr lang="en-US" sz="2500" dirty="0"/>
+          </a:p>
+        </p:txBody>
+      </p:sp>
+      <p:sp>
+        <p:nvSpPr>
+          <p:cNvPr id="5" name="Subtitle 4"/>
+          <p:cNvSpPr>
+            <a:spLocks noGrp="1"/>
+          </p:cNvSpPr>
+          <p:nvPr>
+            <p:ph type="subTitle" idx="1"/>
+          </p:nvPr>
+        </p:nvSpPr>
+        <p:spPr>
+          <a:xfrm>
+            <a:off x="1371600" y="3962400"/>
+            <a:ext cx="6400800" cy="2133600"/>
+          </a:xfrm>
+        </p:spPr>
+        <p:txBody>
+          <a:bodyPr/>
+          <a:lstStyle/>
+          <a:p>
+            <a:r>
+              <a:rPr lang="en-US" sz="4000" dirty="0" smtClean="0"/>
+              <a:t>Jiangtang(‘JT’) Hu</a:t>
+            </a:r>
+          </a:p>
+          <a:p>
+            <a:r>
+              <a:rPr lang="en-US" dirty="0" smtClean="0"/>
+              <a:t>d-Wise</a:t>
+            </a:r>
+          </a:p>
+          <a:p>
+            <a:r>
+              <a:rPr lang="en-US" sz="1500" i="1" dirty="0">
+                <a:solidFill>
+                  <a:srgbClr val="FF0000"/>
+                </a:solidFill>
+                <a:hlinkClick r:id="rId2"/>
+              </a:rPr>
+              <a:t>https://</a:t>
+            </a:r>
+            <a:r>
+              <a:rPr lang="en-US" sz="1500" i="1" dirty="0" smtClean="0">
+                <a:solidFill>
+                  <a:srgbClr val="FF0000"/>
+                </a:solidFill>
+                <a:hlinkClick r:id="rId2"/>
+              </a:rPr>
+              <a:t>github.com/Jiangtang/SESUG</a:t>
+            </a:r>
+            <a:endParaRPr lang="en-US" dirty="0"/>
+          </a:p>
+        </p:txBody>
+      </p:sp>
+      <p:pic>
+        <p:nvPicPr>
+          <p:cNvPr id="7" name="Picture 6"/>
+          <p:cNvPicPr>
+            <a:picLocks noChangeAspect="1"/>
+          </p:cNvPicPr>
+          <p:nvPr/>
+        </p:nvPicPr>
+        <p:blipFill>
+          <a:blip r:embed="rId3">
+            <a:extLst>
+              <a:ext uri="{28A0092B-C50C-407E-A947-70E740481C1C}">
+                <a14:useLocalDpi xmlns:a14="http://schemas.microsoft.com/office/drawing/2010/main" val="0"/>
+              </a:ext>
+            </a:extLst>
+          </a:blip>
+          <a:stretch>
+            <a:fillRect/>
+          </a:stretch>
+        </p:blipFill>
+        <p:spPr>
+          <a:xfrm>
+            <a:off x="304800" y="2438400"/>
+            <a:ext cx="1905000" cy="1905000"/>
+          </a:xfrm>
+          <a:prstGeom prst="rect">
+            <a:avLst/>
+          </a:prstGeom>
+        </p:spPr>
+      </p:pic>
+      <p:pic>
+        <p:nvPicPr>
+          <p:cNvPr id="1026" name="Picture 2" descr="http://ecx.images-amazon.com/images/I/41v9wdp6-GL._SX329_BO1,204,203,200_.jpg"/>
+          <p:cNvPicPr>
+            <a:picLocks noChangeAspect="1" noChangeArrowheads="1"/>
+          </p:cNvPicPr>
+          <p:nvPr/>
+        </p:nvPicPr>
+        <p:blipFill>
+          <a:blip r:embed="rId4">
+            <a:extLst>
+              <a:ext uri="{28A0092B-C50C-407E-A947-70E740481C1C}">
+                <a14:useLocalDpi xmlns:a14="http://schemas.microsoft.com/office/drawing/2010/main" val="0"/>
+              </a:ext>
+            </a:extLst>
+          </a:blip>
+          <a:srcRect/>
+          <a:stretch>
+            <a:fillRect/>
+          </a:stretch>
+        </p:blipFill>
+        <p:spPr bwMode="auto">
+          <a:xfrm>
+            <a:off x="6489999" y="1524000"/>
+            <a:ext cx="2375638" cy="3581400"/>
+          </a:xfrm>
+          <a:prstGeom prst="rect">
+            <a:avLst/>
+          </a:prstGeom>
+          <a:noFill/>
+          <a:extLst>
+            <a:ext uri="{909E8E84-426E-40DD-AFC4-6F175D3DCCD1}">
+              <a14:hiddenFill xmlns:a14="http://schemas.microsoft.com/office/drawing/2010/main">
+                <a:solidFill>
+                  <a:srgbClr val="FFFFFF"/>
+                </a:solidFill>
+              </a14:hiddenFill>
+            </a:ext>
+          </a:extLst>
+        </p:spPr>
+      </p:pic>
+    </p:spTree>
+    <p:extLst>
+      <p:ext uri="{BB962C8B-B14F-4D97-AF65-F5344CB8AC3E}">
+        <p14:creationId xmlns:p14="http://schemas.microsoft.com/office/powerpoint/2010/main" val="1629005123"/>
       </p:ext>
     </p:extLst>
   </p:cSld>
@@ -7699,32 +8784,15 @@
           <a:p>
             <a:r>
               <a:rPr lang="en-US" b="1" dirty="0" smtClean="0"/>
-              <a:t>The </a:t>
-            </a:r>
-            <a:r>
-              <a:rPr lang="en-US" b="1" dirty="0" smtClean="0"/>
-              <a:t>challenges</a:t>
-            </a:r>
-            <a:endParaRPr lang="en-US" b="1" dirty="0" smtClean="0"/>
-          </a:p>
-          <a:p>
-            <a:r>
-              <a:rPr lang="en-US" b="1" dirty="0" smtClean="0"/>
-              <a:t>The Goal</a:t>
-            </a:r>
-          </a:p>
-          <a:p>
-            <a:r>
-              <a:rPr lang="en-US" b="1" dirty="0" smtClean="0"/>
-              <a:t>What </a:t>
-            </a:r>
-            <a:endParaRPr lang="en-US" b="1" dirty="0"/>
+              <a:t>The challenges</a:t>
+            </a:r>
           </a:p>
           <a:p>
             <a:r>
               <a:rPr lang="en-US" b="1" dirty="0" smtClean="0"/>
               <a:t>How</a:t>
             </a:r>
+            <a:endParaRPr lang="en-US" b="1" dirty="0" smtClean="0"/>
           </a:p>
           <a:p>
             <a:r>
@@ -7830,6 +8898,129 @@
           </a:p>
         </p:txBody>
       </p:sp>
+      <p:pic>
+        <p:nvPicPr>
+          <p:cNvPr id="1026" name="Picture 2" descr="https://theseekersquill.files.wordpress.com/2014/10/notepad_logo.png?w=640"/>
+          <p:cNvPicPr>
+            <a:picLocks noChangeAspect="1" noChangeArrowheads="1"/>
+          </p:cNvPicPr>
+          <p:nvPr/>
+        </p:nvPicPr>
+        <p:blipFill>
+          <a:blip r:embed="rId2">
+            <a:extLst>
+              <a:ext uri="{28A0092B-C50C-407E-A947-70E740481C1C}">
+                <a14:useLocalDpi xmlns:a14="http://schemas.microsoft.com/office/drawing/2010/main" val="0"/>
+              </a:ext>
+            </a:extLst>
+          </a:blip>
+          <a:srcRect/>
+          <a:stretch>
+            <a:fillRect/>
+          </a:stretch>
+        </p:blipFill>
+        <p:spPr bwMode="auto">
+          <a:xfrm>
+            <a:off x="838200" y="3581400"/>
+            <a:ext cx="2019300" cy="1457326"/>
+          </a:xfrm>
+          <a:prstGeom prst="rect">
+            <a:avLst/>
+          </a:prstGeom>
+          <a:noFill/>
+          <a:extLst>
+            <a:ext uri="{909E8E84-426E-40DD-AFC4-6F175D3DCCD1}">
+              <a14:hiddenFill xmlns:a14="http://schemas.microsoft.com/office/drawing/2010/main">
+                <a:solidFill>
+                  <a:srgbClr val="FFFFFF"/>
+                </a:solidFill>
+              </a14:hiddenFill>
+            </a:ext>
+          </a:extLst>
+        </p:spPr>
+      </p:pic>
+      <p:pic>
+        <p:nvPicPr>
+          <p:cNvPr id="1030" name="Picture 6" descr="https://upload.wikimedia.org/wikipedia/commons/thumb/4/4f/Icon-Vim.svg/256px-Icon-Vim.svg.png"/>
+          <p:cNvPicPr>
+            <a:picLocks noChangeAspect="1" noChangeArrowheads="1"/>
+          </p:cNvPicPr>
+          <p:nvPr/>
+        </p:nvPicPr>
+        <p:blipFill>
+          <a:blip r:embed="rId3">
+            <a:extLst>
+              <a:ext uri="{28A0092B-C50C-407E-A947-70E740481C1C}">
+                <a14:useLocalDpi xmlns:a14="http://schemas.microsoft.com/office/drawing/2010/main" val="0"/>
+              </a:ext>
+            </a:extLst>
+          </a:blip>
+          <a:srcRect/>
+          <a:stretch>
+            <a:fillRect/>
+          </a:stretch>
+        </p:blipFill>
+        <p:spPr bwMode="auto">
+          <a:xfrm>
+            <a:off x="3352800" y="3293902"/>
+            <a:ext cx="1752600" cy="1752600"/>
+          </a:xfrm>
+          <a:prstGeom prst="rect">
+            <a:avLst/>
+          </a:prstGeom>
+          <a:noFill/>
+          <a:extLst>
+            <a:ext uri="{909E8E84-426E-40DD-AFC4-6F175D3DCCD1}">
+              <a14:hiddenFill xmlns:a14="http://schemas.microsoft.com/office/drawing/2010/main">
+                <a:solidFill>
+                  <a:srgbClr val="FFFFFF"/>
+                </a:solidFill>
+              </a14:hiddenFill>
+            </a:ext>
+          </a:extLst>
+        </p:spPr>
+      </p:pic>
+      <p:pic>
+        <p:nvPicPr>
+          <p:cNvPr id="4" name="Picture 2" descr="http://icons.iconarchive.com/icons/alecive/flatwoken/512/Apps-Sublime-Text-icon.png"/>
+          <p:cNvPicPr>
+            <a:picLocks noChangeAspect="1" noChangeArrowheads="1"/>
+          </p:cNvPicPr>
+          <p:nvPr/>
+        </p:nvPicPr>
+        <p:blipFill>
+          <a:blip r:embed="rId4" cstate="print">
+            <a:extLst>
+              <a:ext uri="{28A0092B-C50C-407E-A947-70E740481C1C}">
+                <a14:useLocalDpi xmlns:a14="http://schemas.microsoft.com/office/drawing/2010/main" val="0"/>
+              </a:ext>
+            </a:extLst>
+          </a:blip>
+          <a:srcRect/>
+          <a:stretch>
+            <a:fillRect/>
+          </a:stretch>
+        </p:blipFill>
+        <p:spPr bwMode="auto">
+          <a:xfrm>
+            <a:off x="5867400" y="3293902"/>
+            <a:ext cx="1395413" cy="1395413"/>
+          </a:xfrm>
+          <a:prstGeom prst="rect">
+            <a:avLst/>
+          </a:prstGeom>
+          <a:noFill/>
+          <a:extLst>
+            <a:ext uri="{909E8E84-426E-40DD-AFC4-6F175D3DCCD1}">
+              <a14:hiddenFill xmlns:a14="http://schemas.microsoft.com/office/drawing/2010/main">
+                <a:solidFill>
+                  <a:srgbClr val="FFFFFF"/>
+                </a:solidFill>
+              </a14:hiddenFill>
+            </a:ext>
+          </a:extLst>
+        </p:spPr>
+      </p:pic>
     </p:spTree>
     <p:extLst>
       <p:ext uri="{BB962C8B-B14F-4D97-AF65-F5344CB8AC3E}">
@@ -7901,38 +9092,39 @@
           <a:lstStyle/>
           <a:p>
             <a:r>
-              <a:rPr lang="en-US" dirty="0"/>
-              <a:t>You can’t use the traditional SAS Display Manager anymore to write, interactively debug your SAS </a:t>
-            </a:r>
-            <a:r>
               <a:rPr lang="en-US" dirty="0" smtClean="0"/>
-              <a:t>codes and </a:t>
-            </a:r>
-            <a:r>
-              <a:rPr lang="en-US" dirty="0"/>
-              <a:t>check temporary </a:t>
-            </a:r>
+              <a:t>Ask IT</a:t>
+            </a:r>
+          </a:p>
+          <a:p>
             <a:r>
               <a:rPr lang="en-US" dirty="0" smtClean="0"/>
-              <a:t>output datasets</a:t>
-            </a:r>
-          </a:p>
-          <a:p>
-            <a:r>
-              <a:rPr lang="en-US" dirty="0"/>
-              <a:t>The new and only interface to write SAS codes is now SAS </a:t>
-            </a:r>
+              <a:t>Green version</a:t>
+            </a:r>
+          </a:p>
+          <a:p>
             <a:r>
               <a:rPr lang="en-US" dirty="0" smtClean="0"/>
-              <a:t>Enterprise Guide</a:t>
-            </a:r>
-            <a:r>
-              <a:rPr lang="en-US" dirty="0"/>
-              <a:t>, or SAS </a:t>
-            </a:r>
+              <a:t>Explore advance editing features in SAS</a:t>
+            </a:r>
+          </a:p>
+          <a:p>
+            <a:pPr lvl="1"/>
             <a:r>
               <a:rPr lang="en-US" dirty="0" smtClean="0"/>
-              <a:t>Studio</a:t>
+              <a:t>Display Manager even can do Column selection, parentheses matching, </a:t>
+            </a:r>
+            <a:r>
+              <a:rPr lang="en-US" dirty="0" err="1" smtClean="0"/>
+              <a:t>etc</a:t>
+            </a:r>
+            <a:endParaRPr lang="en-US" dirty="0" smtClean="0"/>
+          </a:p>
+          <a:p>
+            <a:pPr lvl="1"/>
+            <a:r>
+              <a:rPr lang="en-US" dirty="0" smtClean="0"/>
+              <a:t>Enterprise Guide is a better IDE</a:t>
             </a:r>
             <a:r>
               <a:rPr lang="en-US" dirty="0"/>
@@ -7945,10 +9137,133 @@
           </a:p>
         </p:txBody>
       </p:sp>
+      <p:pic>
+        <p:nvPicPr>
+          <p:cNvPr id="1026" name="Picture 2" descr="https://theseekersquill.files.wordpress.com/2014/10/notepad_logo.png?w=640"/>
+          <p:cNvPicPr>
+            <a:picLocks noChangeAspect="1" noChangeArrowheads="1"/>
+          </p:cNvPicPr>
+          <p:nvPr/>
+        </p:nvPicPr>
+        <p:blipFill>
+          <a:blip r:embed="rId2">
+            <a:extLst>
+              <a:ext uri="{28A0092B-C50C-407E-A947-70E740481C1C}">
+                <a14:useLocalDpi xmlns:a14="http://schemas.microsoft.com/office/drawing/2010/main" val="0"/>
+              </a:ext>
+            </a:extLst>
+          </a:blip>
+          <a:srcRect/>
+          <a:stretch>
+            <a:fillRect/>
+          </a:stretch>
+        </p:blipFill>
+        <p:spPr bwMode="auto">
+          <a:xfrm>
+            <a:off x="4689162" y="1371600"/>
+            <a:ext cx="998873" cy="720885"/>
+          </a:xfrm>
+          <a:prstGeom prst="rect">
+            <a:avLst/>
+          </a:prstGeom>
+          <a:noFill/>
+          <a:extLst>
+            <a:ext uri="{909E8E84-426E-40DD-AFC4-6F175D3DCCD1}">
+              <a14:hiddenFill xmlns:a14="http://schemas.microsoft.com/office/drawing/2010/main">
+                <a:solidFill>
+                  <a:srgbClr val="FFFFFF"/>
+                </a:solidFill>
+              </a14:hiddenFill>
+            </a:ext>
+          </a:extLst>
+        </p:spPr>
+      </p:pic>
+      <p:pic>
+        <p:nvPicPr>
+          <p:cNvPr id="1030" name="Picture 6" descr="https://upload.wikimedia.org/wikipedia/commons/thumb/4/4f/Icon-Vim.svg/256px-Icon-Vim.svg.png"/>
+          <p:cNvPicPr>
+            <a:picLocks noChangeAspect="1" noChangeArrowheads="1"/>
+          </p:cNvPicPr>
+          <p:nvPr/>
+        </p:nvPicPr>
+        <p:blipFill>
+          <a:blip r:embed="rId3" cstate="print">
+            <a:extLst>
+              <a:ext uri="{28A0092B-C50C-407E-A947-70E740481C1C}">
+                <a14:useLocalDpi xmlns:a14="http://schemas.microsoft.com/office/drawing/2010/main" val="0"/>
+              </a:ext>
+            </a:extLst>
+          </a:blip>
+          <a:srcRect/>
+          <a:stretch>
+            <a:fillRect/>
+          </a:stretch>
+        </p:blipFill>
+        <p:spPr bwMode="auto">
+          <a:xfrm>
+            <a:off x="6172200" y="1143000"/>
+            <a:ext cx="914400" cy="914400"/>
+          </a:xfrm>
+          <a:prstGeom prst="rect">
+            <a:avLst/>
+          </a:prstGeom>
+          <a:noFill/>
+          <a:extLst>
+            <a:ext uri="{909E8E84-426E-40DD-AFC4-6F175D3DCCD1}">
+              <a14:hiddenFill xmlns:a14="http://schemas.microsoft.com/office/drawing/2010/main">
+                <a:solidFill>
+                  <a:srgbClr val="FFFFFF"/>
+                </a:solidFill>
+              </a14:hiddenFill>
+            </a:ext>
+          </a:extLst>
+        </p:spPr>
+      </p:pic>
+      <p:pic>
+        <p:nvPicPr>
+          <p:cNvPr id="4" name="Picture 2" descr="http://icons.iconarchive.com/icons/alecive/flatwoken/512/Apps-Sublime-Text-icon.png"/>
+          <p:cNvPicPr>
+            <a:picLocks noChangeAspect="1" noChangeArrowheads="1"/>
+          </p:cNvPicPr>
+          <p:nvPr/>
+        </p:nvPicPr>
+        <p:blipFill>
+          <a:blip r:embed="rId4" cstate="print">
+            <a:extLst>
+              <a:ext uri="{28A0092B-C50C-407E-A947-70E740481C1C}">
+                <a14:useLocalDpi xmlns:a14="http://schemas.microsoft.com/office/drawing/2010/main" val="0"/>
+              </a:ext>
+            </a:extLst>
+          </a:blip>
+          <a:srcRect/>
+          <a:stretch>
+            <a:fillRect/>
+          </a:stretch>
+        </p:blipFill>
+        <p:spPr bwMode="auto">
+          <a:xfrm>
+            <a:off x="7530581" y="1305413"/>
+            <a:ext cx="751987" cy="751987"/>
+          </a:xfrm>
+          <a:prstGeom prst="rect">
+            <a:avLst/>
+          </a:prstGeom>
+          <a:noFill/>
+          <a:extLst>
+            <a:ext uri="{909E8E84-426E-40DD-AFC4-6F175D3DCCD1}">
+              <a14:hiddenFill xmlns:a14="http://schemas.microsoft.com/office/drawing/2010/main">
+                <a:solidFill>
+                  <a:srgbClr val="FFFFFF"/>
+                </a:solidFill>
+              </a14:hiddenFill>
+            </a:ext>
+          </a:extLst>
+        </p:spPr>
+      </p:pic>
     </p:spTree>
     <p:extLst>
       <p:ext uri="{BB962C8B-B14F-4D97-AF65-F5344CB8AC3E}">
-        <p14:creationId xmlns:p14="http://schemas.microsoft.com/office/powerpoint/2010/main" val="2106296719"/>
+        <p14:creationId xmlns:p14="http://schemas.microsoft.com/office/powerpoint/2010/main" val="1907746483"/>
       </p:ext>
     </p:extLst>
   </p:cSld>
@@ -8017,28 +9332,142 @@
           <a:p>
             <a:r>
               <a:rPr lang="en-US" dirty="0"/>
-              <a:t>the only SAS editor available for you to complete your SAS job is SAS Drug Development, </a:t>
+              <a:t>You can’t use the traditional SAS Display Manager anymore to write, interactively debug your SAS </a:t>
             </a:r>
             <a:r>
               <a:rPr lang="en-US" dirty="0" smtClean="0"/>
-              <a:t>or SAS </a:t>
+              <a:t>codes and </a:t>
             </a:r>
             <a:r>
               <a:rPr lang="en-US" dirty="0"/>
-              <a:t>Data Integration </a:t>
+              <a:t>check temporary </a:t>
+            </a:r>
+            <a:r>
+              <a:rPr lang="en-US" dirty="0" smtClean="0"/>
+              <a:t>output datasets</a:t>
+            </a:r>
+          </a:p>
+          <a:p>
+            <a:r>
+              <a:rPr lang="en-US" dirty="0"/>
+              <a:t>The new and only interface to write SAS codes is now SAS </a:t>
+            </a:r>
+            <a:r>
+              <a:rPr lang="en-US" dirty="0" smtClean="0"/>
+              <a:t>Enterprise Guide</a:t>
+            </a:r>
+            <a:r>
+              <a:rPr lang="en-US" dirty="0"/>
+              <a:t>, or SAS </a:t>
             </a:r>
             <a:r>
               <a:rPr lang="en-US" dirty="0" smtClean="0"/>
               <a:t>Studio</a:t>
             </a:r>
+            <a:r>
+              <a:rPr lang="en-US" dirty="0"/>
+              <a:t/>
+            </a:r>
+            <a:br>
+              <a:rPr lang="en-US" dirty="0"/>
+            </a:br>
             <a:endParaRPr lang="en-US" dirty="0"/>
           </a:p>
         </p:txBody>
       </p:sp>
+      <p:pic>
+        <p:nvPicPr>
+          <p:cNvPr id="2050" name="Picture 2" descr="http://img.informer.com/icons/png/48/5573/5573582.png"/>
+          <p:cNvPicPr>
+            <a:picLocks noChangeAspect="1" noChangeArrowheads="1"/>
+          </p:cNvPicPr>
+          <p:nvPr/>
+        </p:nvPicPr>
+        <p:blipFill>
+          <a:blip r:embed="rId2">
+            <a:extLst>
+              <a:ext uri="{28A0092B-C50C-407E-A947-70E740481C1C}">
+                <a14:useLocalDpi xmlns:a14="http://schemas.microsoft.com/office/drawing/2010/main" val="0"/>
+              </a:ext>
+            </a:extLst>
+          </a:blip>
+          <a:srcRect/>
+          <a:stretch>
+            <a:fillRect/>
+          </a:stretch>
+        </p:blipFill>
+        <p:spPr bwMode="auto">
+          <a:xfrm>
+            <a:off x="4419600" y="5334000"/>
+            <a:ext cx="457200" cy="457200"/>
+          </a:xfrm>
+          <a:prstGeom prst="rect">
+            <a:avLst/>
+          </a:prstGeom>
+          <a:noFill/>
+          <a:extLst>
+            <a:ext uri="{909E8E84-426E-40DD-AFC4-6F175D3DCCD1}">
+              <a14:hiddenFill xmlns:a14="http://schemas.microsoft.com/office/drawing/2010/main">
+                <a:solidFill>
+                  <a:srgbClr val="FFFFFF"/>
+                </a:solidFill>
+              </a14:hiddenFill>
+            </a:ext>
+          </a:extLst>
+        </p:spPr>
+      </p:pic>
+      <p:pic>
+        <p:nvPicPr>
+          <p:cNvPr id="4" name="Picture 3"/>
+          <p:cNvPicPr>
+            <a:picLocks noChangeAspect="1"/>
+          </p:cNvPicPr>
+          <p:nvPr/>
+        </p:nvPicPr>
+        <p:blipFill>
+          <a:blip r:embed="rId3"/>
+          <a:stretch>
+            <a:fillRect/>
+          </a:stretch>
+        </p:blipFill>
+        <p:spPr>
+          <a:xfrm>
+            <a:off x="1371600" y="5357812"/>
+            <a:ext cx="457200" cy="323850"/>
+          </a:xfrm>
+          <a:prstGeom prst="rect">
+            <a:avLst/>
+          </a:prstGeom>
+        </p:spPr>
+      </p:pic>
+      <p:pic>
+        <p:nvPicPr>
+          <p:cNvPr id="5" name="Picture 4"/>
+          <p:cNvPicPr>
+            <a:picLocks noChangeAspect="1"/>
+          </p:cNvPicPr>
+          <p:nvPr/>
+        </p:nvPicPr>
+        <p:blipFill>
+          <a:blip r:embed="rId4"/>
+          <a:stretch>
+            <a:fillRect/>
+          </a:stretch>
+        </p:blipFill>
+        <p:spPr>
+          <a:xfrm>
+            <a:off x="5867400" y="5443537"/>
+            <a:ext cx="752475" cy="238125"/>
+          </a:xfrm>
+          <a:prstGeom prst="rect">
+            <a:avLst/>
+          </a:prstGeom>
+        </p:spPr>
+      </p:pic>
     </p:spTree>
     <p:extLst>
       <p:ext uri="{BB962C8B-B14F-4D97-AF65-F5344CB8AC3E}">
-        <p14:creationId xmlns:p14="http://schemas.microsoft.com/office/powerpoint/2010/main" val="616606081"/>
+        <p14:creationId xmlns:p14="http://schemas.microsoft.com/office/powerpoint/2010/main" val="2106296719"/>
       </p:ext>
     </p:extLst>
   </p:cSld>
@@ -8084,7 +9513,7 @@
           <a:p>
             <a:r>
               <a:rPr lang="en-US" sz="3200" dirty="0" smtClean="0"/>
-              <a:t>Internal Challenges: Outsourcing</a:t>
+              <a:t>Internal Challenges: IT</a:t>
             </a:r>
             <a:endParaRPr lang="en-US" sz="3200" dirty="0"/>
           </a:p>
@@ -8105,17 +9534,138 @@
           <a:bodyPr/>
           <a:lstStyle/>
           <a:p>
-            <a:pPr marL="0" indent="0">
-              <a:buNone/>
-            </a:pPr>
+            <a:r>
+              <a:rPr lang="en-US" dirty="0" smtClean="0"/>
+              <a:t>Change…</a:t>
+            </a:r>
+          </a:p>
+          <a:p>
+            <a:pPr lvl="1"/>
+            <a:r>
+              <a:rPr lang="en-US" dirty="0" smtClean="0"/>
+              <a:t>Enterprise Guide is a better IDE</a:t>
+            </a:r>
+          </a:p>
+          <a:p>
+            <a:pPr lvl="1"/>
+            <a:r>
+              <a:rPr lang="en-US" dirty="0" smtClean="0"/>
+              <a:t>SAS Studio also has some advantages</a:t>
+            </a:r>
+          </a:p>
+          <a:p>
+            <a:pPr lvl="1"/>
             <a:endParaRPr lang="en-US" dirty="0"/>
           </a:p>
-        </p:txBody>
-      </p:sp>
+          <a:p>
+            <a:r>
+              <a:rPr lang="en-US" dirty="0" smtClean="0"/>
+              <a:t>Pain…</a:t>
+            </a:r>
+          </a:p>
+          <a:p>
+            <a:pPr lvl="1"/>
+            <a:r>
+              <a:rPr lang="en-US" dirty="0" smtClean="0"/>
+              <a:t>customized configurations </a:t>
+            </a:r>
+            <a:endParaRPr lang="en-US" dirty="0"/>
+          </a:p>
+        </p:txBody>
+      </p:sp>
+      <p:pic>
+        <p:nvPicPr>
+          <p:cNvPr id="2050" name="Picture 2" descr="http://img.informer.com/icons/png/48/5573/5573582.png"/>
+          <p:cNvPicPr>
+            <a:picLocks noChangeAspect="1" noChangeArrowheads="1"/>
+          </p:cNvPicPr>
+          <p:nvPr/>
+        </p:nvPicPr>
+        <p:blipFill>
+          <a:blip r:embed="rId2">
+            <a:extLst>
+              <a:ext uri="{28A0092B-C50C-407E-A947-70E740481C1C}">
+                <a14:useLocalDpi xmlns:a14="http://schemas.microsoft.com/office/drawing/2010/main" val="0"/>
+              </a:ext>
+            </a:extLst>
+          </a:blip>
+          <a:srcRect/>
+          <a:stretch>
+            <a:fillRect/>
+          </a:stretch>
+        </p:blipFill>
+        <p:spPr bwMode="auto">
+          <a:xfrm>
+            <a:off x="6858000" y="685800"/>
+            <a:ext cx="457200" cy="457200"/>
+          </a:xfrm>
+          <a:prstGeom prst="rect">
+            <a:avLst/>
+          </a:prstGeom>
+          <a:noFill/>
+          <a:extLst>
+            <a:ext uri="{909E8E84-426E-40DD-AFC4-6F175D3DCCD1}">
+              <a14:hiddenFill xmlns:a14="http://schemas.microsoft.com/office/drawing/2010/main">
+                <a:solidFill>
+                  <a:srgbClr val="FFFFFF"/>
+                </a:solidFill>
+              </a14:hiddenFill>
+            </a:ext>
+          </a:extLst>
+        </p:spPr>
+      </p:pic>
+      <p:pic>
+        <p:nvPicPr>
+          <p:cNvPr id="4" name="Picture 3"/>
+          <p:cNvPicPr>
+            <a:picLocks noChangeAspect="1"/>
+          </p:cNvPicPr>
+          <p:nvPr/>
+        </p:nvPicPr>
+        <p:blipFill>
+          <a:blip r:embed="rId3"/>
+          <a:stretch>
+            <a:fillRect/>
+          </a:stretch>
+        </p:blipFill>
+        <p:spPr>
+          <a:xfrm>
+            <a:off x="5562600" y="752475"/>
+            <a:ext cx="457200" cy="323850"/>
+          </a:xfrm>
+          <a:prstGeom prst="rect">
+            <a:avLst/>
+          </a:prstGeom>
+        </p:spPr>
+      </p:pic>
+      <p:pic>
+        <p:nvPicPr>
+          <p:cNvPr id="5" name="Picture 4"/>
+          <p:cNvPicPr>
+            <a:picLocks noChangeAspect="1"/>
+          </p:cNvPicPr>
+          <p:nvPr/>
+        </p:nvPicPr>
+        <p:blipFill>
+          <a:blip r:embed="rId4"/>
+          <a:stretch>
+            <a:fillRect/>
+          </a:stretch>
+        </p:blipFill>
+        <p:spPr>
+          <a:xfrm>
+            <a:off x="7900987" y="763361"/>
+            <a:ext cx="752475" cy="238125"/>
+          </a:xfrm>
+          <a:prstGeom prst="rect">
+            <a:avLst/>
+          </a:prstGeom>
+        </p:spPr>
+      </p:pic>
     </p:spTree>
     <p:extLst>
       <p:ext uri="{BB962C8B-B14F-4D97-AF65-F5344CB8AC3E}">
-        <p14:creationId xmlns:p14="http://schemas.microsoft.com/office/powerpoint/2010/main" val="1608733179"/>
+        <p14:creationId xmlns:p14="http://schemas.microsoft.com/office/powerpoint/2010/main" val="19966593"/>
       </p:ext>
     </p:extLst>
   </p:cSld>
